--- a/Document/AppChat_Nhom6.pptx
+++ b/Document/AppChat_Nhom6.pptx
@@ -21,9 +21,11 @@
     <p:sldId id="274" r:id="rId15"/>
     <p:sldId id="269" r:id="rId16"/>
     <p:sldId id="278" r:id="rId17"/>
-    <p:sldId id="271" r:id="rId18"/>
-    <p:sldId id="279" r:id="rId19"/>
-    <p:sldId id="272" r:id="rId20"/>
+    <p:sldId id="281" r:id="rId18"/>
+    <p:sldId id="280" r:id="rId19"/>
+    <p:sldId id="271" r:id="rId20"/>
+    <p:sldId id="279" r:id="rId21"/>
+    <p:sldId id="272" r:id="rId22"/>
   </p:sldIdLst>
   <p:sldSz cx="12192000" cy="6858000"/>
   <p:notesSz cx="6858000" cy="9144000"/>
@@ -917,7 +919,7 @@
           <a:p>
             <a:fld id="{2F224862-4890-4559-9D4C-E7C6274E6D9D}" type="datetimeFigureOut">
               <a:rPr lang="en-US" smtClean="0"/>
-              <a:t>11/2/2021</a:t>
+              <a:t>16/11/2021</a:t>
             </a:fld>
             <a:endParaRPr lang="en-US"/>
           </a:p>
@@ -1125,7 +1127,7 @@
           <a:p>
             <a:fld id="{2F224862-4890-4559-9D4C-E7C6274E6D9D}" type="datetimeFigureOut">
               <a:rPr lang="en-US" smtClean="0"/>
-              <a:t>11/2/2021</a:t>
+              <a:t>16/11/2021</a:t>
             </a:fld>
             <a:endParaRPr lang="en-US"/>
           </a:p>
@@ -1381,7 +1383,7 @@
           <a:p>
             <a:fld id="{2F224862-4890-4559-9D4C-E7C6274E6D9D}" type="datetimeFigureOut">
               <a:rPr lang="en-US" smtClean="0"/>
-              <a:t>11/2/2021</a:t>
+              <a:t>16/11/2021</a:t>
             </a:fld>
             <a:endParaRPr lang="en-US"/>
           </a:p>
@@ -1555,7 +1557,7 @@
           <a:p>
             <a:fld id="{2F224862-4890-4559-9D4C-E7C6274E6D9D}" type="datetimeFigureOut">
               <a:rPr lang="en-US" smtClean="0"/>
-              <a:t>11/2/2021</a:t>
+              <a:t>16/11/2021</a:t>
             </a:fld>
             <a:endParaRPr lang="en-US"/>
           </a:p>
@@ -1898,7 +1900,7 @@
           <a:p>
             <a:fld id="{2F224862-4890-4559-9D4C-E7C6274E6D9D}" type="datetimeFigureOut">
               <a:rPr lang="en-US" smtClean="0"/>
-              <a:t>11/2/2021</a:t>
+              <a:t>16/11/2021</a:t>
             </a:fld>
             <a:endParaRPr lang="en-US"/>
           </a:p>
@@ -2173,7 +2175,7 @@
           <a:p>
             <a:fld id="{2F224862-4890-4559-9D4C-E7C6274E6D9D}" type="datetimeFigureOut">
               <a:rPr lang="en-US" smtClean="0"/>
-              <a:t>11/2/2021</a:t>
+              <a:t>16/11/2021</a:t>
             </a:fld>
             <a:endParaRPr lang="en-US"/>
           </a:p>
@@ -2552,7 +2554,7 @@
           <a:p>
             <a:fld id="{2F224862-4890-4559-9D4C-E7C6274E6D9D}" type="datetimeFigureOut">
               <a:rPr lang="en-US" smtClean="0"/>
-              <a:t>11/2/2021</a:t>
+              <a:t>16/11/2021</a:t>
             </a:fld>
             <a:endParaRPr lang="en-US"/>
           </a:p>
@@ -2670,7 +2672,7 @@
           <a:p>
             <a:fld id="{2F224862-4890-4559-9D4C-E7C6274E6D9D}" type="datetimeFigureOut">
               <a:rPr lang="en-US" smtClean="0"/>
-              <a:t>11/2/2021</a:t>
+              <a:t>16/11/2021</a:t>
             </a:fld>
             <a:endParaRPr lang="en-US"/>
           </a:p>
@@ -2841,7 +2843,7 @@
           <a:p>
             <a:fld id="{2F224862-4890-4559-9D4C-E7C6274E6D9D}" type="datetimeFigureOut">
               <a:rPr lang="en-US" smtClean="0"/>
-              <a:t>11/2/2021</a:t>
+              <a:t>16/11/2021</a:t>
             </a:fld>
             <a:endParaRPr lang="en-US"/>
           </a:p>
@@ -3195,7 +3197,7 @@
           <a:p>
             <a:fld id="{2F224862-4890-4559-9D4C-E7C6274E6D9D}" type="datetimeFigureOut">
               <a:rPr lang="en-US" smtClean="0"/>
-              <a:t>11/2/2021</a:t>
+              <a:t>16/11/2021</a:t>
             </a:fld>
             <a:endParaRPr lang="en-US"/>
           </a:p>
@@ -3577,7 +3579,7 @@
           <a:p>
             <a:fld id="{2F224862-4890-4559-9D4C-E7C6274E6D9D}" type="datetimeFigureOut">
               <a:rPr lang="en-US" smtClean="0"/>
-              <a:t>11/2/2021</a:t>
+              <a:t>16/11/2021</a:t>
             </a:fld>
             <a:endParaRPr lang="en-US"/>
           </a:p>
@@ -3864,7 +3866,7 @@
           <a:p>
             <a:fld id="{2F224862-4890-4559-9D4C-E7C6274E6D9D}" type="datetimeFigureOut">
               <a:rPr lang="en-US" smtClean="0"/>
-              <a:t>11/2/2021</a:t>
+              <a:t>16/11/2021</a:t>
             </a:fld>
             <a:endParaRPr lang="en-US"/>
           </a:p>
@@ -11792,14 +11794,16 @@
       </p:sp>
       <p:pic>
         <p:nvPicPr>
-          <p:cNvPr id="6" name="Picture 5" descr="Diagram&#10;&#10;Description automatically generated">
+          <p:cNvPr id="8" name="Picture 7">
             <a:extLst>
               <a:ext uri="{FF2B5EF4-FFF2-40B4-BE49-F238E27FC236}">
-                <a16:creationId xmlns:a16="http://schemas.microsoft.com/office/drawing/2014/main" id="{4E0D8CD6-9753-46B4-BA12-B96C7825DA1C}"/>
+                <a16:creationId xmlns:a16="http://schemas.microsoft.com/office/drawing/2014/main" id="{E43FF497-BEA1-4527-A541-BC5F3C7D0F3F}"/>
               </a:ext>
             </a:extLst>
           </p:cNvPr>
-          <p:cNvPicPr/>
+          <p:cNvPicPr>
+            <a:picLocks noChangeAspect="1"/>
+          </p:cNvPicPr>
           <p:nvPr/>
         </p:nvPicPr>
         <p:blipFill>
@@ -11816,8 +11820,8 @@
         </p:blipFill>
         <p:spPr>
           <a:xfrm>
-            <a:off x="92764" y="1066759"/>
-            <a:ext cx="12099235" cy="5228024"/>
+            <a:off x="2054294" y="1066759"/>
+            <a:ext cx="8083412" cy="5210263"/>
           </a:xfrm>
           <a:prstGeom prst="rect">
             <a:avLst/>
@@ -12045,7 +12049,7 @@
               <a:buNone/>
             </a:pPr>
             <a:r>
-              <a:rPr lang="en-US" sz="2400" b="1" i="0" u="none" strike="noStrike" cap="none">
+              <a:rPr lang="en-US" sz="2400" b="1" i="0" u="none" strike="noStrike" cap="none" dirty="0">
                 <a:solidFill>
                   <a:srgbClr val="0578A2"/>
                 </a:solidFill>
@@ -12056,7 +12060,7 @@
               </a:rPr>
               <a:t>THIẾT KẾ</a:t>
             </a:r>
-            <a:endParaRPr sz="2400" b="1" i="0" u="none" strike="noStrike" cap="none">
+            <a:endParaRPr sz="2400" b="1" i="0" u="none" strike="noStrike" cap="none" dirty="0">
               <a:solidFill>
                 <a:srgbClr val="0578A2"/>
               </a:solidFill>
@@ -12149,10 +12153,884 @@
       </p:sp>
       <p:pic>
         <p:nvPicPr>
+          <p:cNvPr id="11" name="Picture 10">
+            <a:extLst>
+              <a:ext uri="{FF2B5EF4-FFF2-40B4-BE49-F238E27FC236}">
+                <a16:creationId xmlns:a16="http://schemas.microsoft.com/office/drawing/2014/main" id="{2638085C-EDC5-43D0-8A94-AA996D9B7750}"/>
+              </a:ext>
+            </a:extLst>
+          </p:cNvPr>
+          <p:cNvPicPr>
+            <a:picLocks noChangeAspect="1"/>
+          </p:cNvPicPr>
+          <p:nvPr/>
+        </p:nvPicPr>
+        <p:blipFill>
+          <a:blip r:embed="rId2"/>
+          <a:stretch>
+            <a:fillRect/>
+          </a:stretch>
+        </p:blipFill>
+        <p:spPr>
+          <a:xfrm>
+            <a:off x="515620" y="1754214"/>
+            <a:ext cx="5580380" cy="3137535"/>
+          </a:xfrm>
+          <a:prstGeom prst="rect">
+            <a:avLst/>
+          </a:prstGeom>
+        </p:spPr>
+      </p:pic>
+      <p:pic>
+        <p:nvPicPr>
+          <p:cNvPr id="13" name="Picture 12">
+            <a:extLst>
+              <a:ext uri="{FF2B5EF4-FFF2-40B4-BE49-F238E27FC236}">
+                <a16:creationId xmlns:a16="http://schemas.microsoft.com/office/drawing/2014/main" id="{D7BCEEB0-0566-4364-BEA0-EE323E2788FA}"/>
+              </a:ext>
+            </a:extLst>
+          </p:cNvPr>
+          <p:cNvPicPr>
+            <a:picLocks noChangeAspect="1"/>
+          </p:cNvPicPr>
+          <p:nvPr/>
+        </p:nvPicPr>
+        <p:blipFill>
+          <a:blip r:embed="rId3"/>
+          <a:stretch>
+            <a:fillRect/>
+          </a:stretch>
+        </p:blipFill>
+        <p:spPr>
+          <a:xfrm>
+            <a:off x="6202546" y="1754213"/>
+            <a:ext cx="5580380" cy="3137535"/>
+          </a:xfrm>
+          <a:prstGeom prst="rect">
+            <a:avLst/>
+          </a:prstGeom>
+        </p:spPr>
+      </p:pic>
+      <p:sp>
+        <p:nvSpPr>
+          <p:cNvPr id="15" name="TextBox 14">
+            <a:extLst>
+              <a:ext uri="{FF2B5EF4-FFF2-40B4-BE49-F238E27FC236}">
+                <a16:creationId xmlns:a16="http://schemas.microsoft.com/office/drawing/2014/main" id="{E8392979-A2A4-4917-83BA-E32653511630}"/>
+              </a:ext>
+            </a:extLst>
+          </p:cNvPr>
+          <p:cNvSpPr txBox="1"/>
+          <p:nvPr/>
+        </p:nvSpPr>
+        <p:spPr>
+          <a:xfrm>
+            <a:off x="2683684" y="5156000"/>
+            <a:ext cx="1244251" cy="369332"/>
+          </a:xfrm>
+          <a:prstGeom prst="rect">
+            <a:avLst/>
+          </a:prstGeom>
+          <a:noFill/>
+        </p:spPr>
+        <p:txBody>
+          <a:bodyPr wrap="none" rtlCol="0">
+            <a:spAutoFit/>
+          </a:bodyPr>
+          <a:lstStyle/>
+          <a:p>
+            <a:r>
+              <a:rPr lang="en-US" b="1" dirty="0" err="1"/>
+              <a:t>Đăng</a:t>
+            </a:r>
+            <a:r>
+              <a:rPr lang="en-US" b="1" dirty="0"/>
+              <a:t> </a:t>
+            </a:r>
+            <a:r>
+              <a:rPr lang="en-US" b="1" dirty="0" err="1"/>
+              <a:t>Nhập</a:t>
+            </a:r>
+            <a:endParaRPr lang="en-US" b="1" dirty="0"/>
+          </a:p>
+        </p:txBody>
+      </p:sp>
+      <p:sp>
+        <p:nvSpPr>
+          <p:cNvPr id="16" name="TextBox 15">
+            <a:extLst>
+              <a:ext uri="{FF2B5EF4-FFF2-40B4-BE49-F238E27FC236}">
+                <a16:creationId xmlns:a16="http://schemas.microsoft.com/office/drawing/2014/main" id="{CC7D8F32-7049-4D58-931F-0987A8DA2834}"/>
+              </a:ext>
+            </a:extLst>
+          </p:cNvPr>
+          <p:cNvSpPr txBox="1"/>
+          <p:nvPr/>
+        </p:nvSpPr>
+        <p:spPr>
+          <a:xfrm>
+            <a:off x="8408120" y="5156000"/>
+            <a:ext cx="1169231" cy="369332"/>
+          </a:xfrm>
+          <a:prstGeom prst="rect">
+            <a:avLst/>
+          </a:prstGeom>
+          <a:noFill/>
+        </p:spPr>
+        <p:txBody>
+          <a:bodyPr wrap="none" rtlCol="0">
+            <a:spAutoFit/>
+          </a:bodyPr>
+          <a:lstStyle/>
+          <a:p>
+            <a:r>
+              <a:rPr lang="en-US" b="1" dirty="0" err="1"/>
+              <a:t>Đăng</a:t>
+            </a:r>
+            <a:r>
+              <a:rPr lang="en-US" b="1" dirty="0"/>
+              <a:t> </a:t>
+            </a:r>
+            <a:r>
+              <a:rPr lang="en-US" b="1" dirty="0" err="1"/>
+              <a:t>Xuất</a:t>
+            </a:r>
+            <a:endParaRPr lang="en-US" b="1" dirty="0"/>
+          </a:p>
+        </p:txBody>
+      </p:sp>
+    </p:spTree>
+    <p:extLst>
+      <p:ext uri="{BB962C8B-B14F-4D97-AF65-F5344CB8AC3E}">
+        <p14:creationId xmlns:p14="http://schemas.microsoft.com/office/powerpoint/2010/main" val="2698738429"/>
+      </p:ext>
+    </p:extLst>
+  </p:cSld>
+  <p:clrMapOvr>
+    <a:masterClrMapping/>
+  </p:clrMapOvr>
+</p:sld>
+</file>
+
+<file path=ppt/slides/slide17.xml><?xml version="1.0" encoding="utf-8"?>
+<p:sld xmlns:a="http://schemas.openxmlformats.org/drawingml/2006/main" xmlns:r="http://schemas.openxmlformats.org/officeDocument/2006/relationships" xmlns:p="http://schemas.openxmlformats.org/presentationml/2006/main">
+  <p:cSld>
+    <p:spTree>
+      <p:nvGrpSpPr>
+        <p:cNvPr id="1" name=""/>
+        <p:cNvGrpSpPr/>
+        <p:nvPr/>
+      </p:nvGrpSpPr>
+      <p:grpSpPr>
+        <a:xfrm>
+          <a:off x="0" y="0"/>
+          <a:ext cx="0" cy="0"/>
+          <a:chOff x="0" y="0"/>
+          <a:chExt cx="0" cy="0"/>
+        </a:xfrm>
+      </p:grpSpPr>
+      <p:sp>
+        <p:nvSpPr>
+          <p:cNvPr id="2" name="Google Shape;319;p35">
+            <a:extLst>
+              <a:ext uri="{FF2B5EF4-FFF2-40B4-BE49-F238E27FC236}">
+                <a16:creationId xmlns:a16="http://schemas.microsoft.com/office/drawing/2014/main" id="{0F2C1651-E8A4-404D-B743-46421407B53E}"/>
+              </a:ext>
+            </a:extLst>
+          </p:cNvPr>
+          <p:cNvSpPr/>
+          <p:nvPr/>
+        </p:nvSpPr>
+        <p:spPr>
+          <a:xfrm>
+            <a:off x="11173326" y="-476310"/>
+            <a:ext cx="609600" cy="1143000"/>
+          </a:xfrm>
+          <a:prstGeom prst="roundRect">
+            <a:avLst>
+              <a:gd name="adj" fmla="val 16667"/>
+            </a:avLst>
+          </a:prstGeom>
+          <a:solidFill>
+            <a:schemeClr val="accent3"/>
+          </a:solidFill>
+          <a:ln w="25400" cap="flat" cmpd="sng">
+            <a:solidFill>
+              <a:srgbClr val="05759E"/>
+            </a:solidFill>
+            <a:prstDash val="solid"/>
+            <a:round/>
+            <a:headEnd type="none" w="sm" len="sm"/>
+            <a:tailEnd type="none" w="sm" len="sm"/>
+          </a:ln>
+        </p:spPr>
+        <p:txBody>
+          <a:bodyPr spcFirstLastPara="1" wrap="square" lIns="91425" tIns="45700" rIns="91425" bIns="45700" anchor="ctr" anchorCtr="0">
+            <a:noAutofit/>
+          </a:bodyPr>
+          <a:lstStyle/>
+          <a:p>
+            <a:pPr marL="0" marR="0" lvl="0" indent="0" algn="ctr" rtl="0">
+              <a:lnSpc>
+                <a:spcPct val="100000"/>
+              </a:lnSpc>
+              <a:spcBef>
+                <a:spcPts val="0"/>
+              </a:spcBef>
+              <a:spcAft>
+                <a:spcPts val="0"/>
+              </a:spcAft>
+              <a:buClr>
+                <a:srgbClr val="000000"/>
+              </a:buClr>
+              <a:buSzPts val="1800"/>
+              <a:buFont typeface="Arial"/>
+              <a:buNone/>
+            </a:pPr>
+            <a:endParaRPr sz="1800" b="0" i="0" u="none" strike="noStrike" cap="none">
+              <a:solidFill>
+                <a:schemeClr val="lt1"/>
+              </a:solidFill>
+              <a:latin typeface="Libre Franklin Thin"/>
+              <a:ea typeface="Libre Franklin Thin"/>
+              <a:cs typeface="Libre Franklin Thin"/>
+              <a:sym typeface="Libre Franklin Thin"/>
+            </a:endParaRPr>
+          </a:p>
+        </p:txBody>
+      </p:sp>
+      <p:sp>
+        <p:nvSpPr>
+          <p:cNvPr id="3" name="Google Shape;320;p35">
+            <a:extLst>
+              <a:ext uri="{FF2B5EF4-FFF2-40B4-BE49-F238E27FC236}">
+                <a16:creationId xmlns:a16="http://schemas.microsoft.com/office/drawing/2014/main" id="{34106830-2D59-4BF8-B52D-3C14EE94B4AA}"/>
+              </a:ext>
+            </a:extLst>
+          </p:cNvPr>
+          <p:cNvSpPr txBox="1"/>
+          <p:nvPr/>
+        </p:nvSpPr>
+        <p:spPr>
+          <a:xfrm>
+            <a:off x="409074" y="666690"/>
+            <a:ext cx="4162926" cy="400069"/>
+          </a:xfrm>
+          <a:prstGeom prst="rect">
+            <a:avLst/>
+          </a:prstGeom>
+          <a:noFill/>
+          <a:ln>
+            <a:noFill/>
+          </a:ln>
+        </p:spPr>
+        <p:txBody>
+          <a:bodyPr spcFirstLastPara="1" wrap="square" lIns="91425" tIns="45700" rIns="91425" bIns="45700" anchor="t" anchorCtr="0">
+            <a:spAutoFit/>
+          </a:bodyPr>
+          <a:lstStyle/>
+          <a:p>
+            <a:pPr marL="342900" marR="0" lvl="0" indent="-342900" algn="l" rtl="0">
+              <a:lnSpc>
+                <a:spcPct val="100000"/>
+              </a:lnSpc>
+              <a:spcBef>
+                <a:spcPts val="0"/>
+              </a:spcBef>
+              <a:spcAft>
+                <a:spcPts val="0"/>
+              </a:spcAft>
+              <a:buClr>
+                <a:srgbClr val="03506C"/>
+              </a:buClr>
+              <a:buSzPts val="2000"/>
+              <a:buFont typeface="Noto Sans Symbols"/>
+              <a:buChar char="❖"/>
+            </a:pPr>
+            <a:r>
+              <a:rPr lang="en-US" sz="2000" b="1" u="sng" dirty="0">
+                <a:solidFill>
+                  <a:srgbClr val="03506C"/>
+                </a:solidFill>
+                <a:latin typeface="Arial"/>
+                <a:ea typeface="Arial"/>
+                <a:cs typeface="Arial"/>
+                <a:sym typeface="Arial"/>
+              </a:rPr>
+              <a:t>CÁC GIAO DIỆN MÀN HÌNH</a:t>
+            </a:r>
+            <a:endParaRPr sz="2000" b="1" i="0" u="sng" strike="noStrike" cap="none" dirty="0">
+              <a:solidFill>
+                <a:srgbClr val="03506C"/>
+              </a:solidFill>
+              <a:latin typeface="Arial"/>
+              <a:ea typeface="Arial"/>
+              <a:cs typeface="Arial"/>
+              <a:sym typeface="Arial"/>
+            </a:endParaRPr>
+          </a:p>
+        </p:txBody>
+      </p:sp>
+      <p:sp>
+        <p:nvSpPr>
+          <p:cNvPr id="4" name="Google Shape;321;p35">
+            <a:extLst>
+              <a:ext uri="{FF2B5EF4-FFF2-40B4-BE49-F238E27FC236}">
+                <a16:creationId xmlns:a16="http://schemas.microsoft.com/office/drawing/2014/main" id="{61D53977-3CEB-442E-9DEC-E5A99734A051}"/>
+              </a:ext>
+            </a:extLst>
+          </p:cNvPr>
+          <p:cNvSpPr txBox="1"/>
+          <p:nvPr/>
+        </p:nvSpPr>
+        <p:spPr>
+          <a:xfrm>
+            <a:off x="9424736" y="57090"/>
+            <a:ext cx="1824789" cy="571500"/>
+          </a:xfrm>
+          <a:prstGeom prst="rect">
+            <a:avLst/>
+          </a:prstGeom>
+          <a:noFill/>
+          <a:ln>
+            <a:noFill/>
+          </a:ln>
+        </p:spPr>
+        <p:txBody>
+          <a:bodyPr spcFirstLastPara="1" wrap="square" lIns="91425" tIns="45700" rIns="91425" bIns="45700" anchor="ctr" anchorCtr="0">
+            <a:noAutofit/>
+          </a:bodyPr>
+          <a:lstStyle/>
+          <a:p>
+            <a:pPr marL="0" marR="0" lvl="0" indent="0" algn="l" rtl="0">
+              <a:lnSpc>
+                <a:spcPct val="100000"/>
+              </a:lnSpc>
+              <a:spcBef>
+                <a:spcPts val="0"/>
+              </a:spcBef>
+              <a:spcAft>
+                <a:spcPts val="0"/>
+              </a:spcAft>
+              <a:buClr>
+                <a:srgbClr val="0578A2"/>
+              </a:buClr>
+              <a:buSzPts val="2400"/>
+              <a:buFont typeface="Arial"/>
+              <a:buNone/>
+            </a:pPr>
+            <a:r>
+              <a:rPr lang="en-US" sz="2400" b="1" i="0" u="none" strike="noStrike" cap="none" dirty="0">
+                <a:solidFill>
+                  <a:srgbClr val="0578A2"/>
+                </a:solidFill>
+                <a:latin typeface="Arial"/>
+                <a:ea typeface="Arial"/>
+                <a:cs typeface="Arial"/>
+                <a:sym typeface="Arial"/>
+              </a:rPr>
+              <a:t>THIẾT KẾ</a:t>
+            </a:r>
+            <a:endParaRPr sz="2400" b="1" i="0" u="none" strike="noStrike" cap="none" dirty="0">
+              <a:solidFill>
+                <a:srgbClr val="0578A2"/>
+              </a:solidFill>
+              <a:latin typeface="Arial"/>
+              <a:ea typeface="Arial"/>
+              <a:cs typeface="Arial"/>
+              <a:sym typeface="Arial"/>
+            </a:endParaRPr>
+          </a:p>
+        </p:txBody>
+      </p:sp>
+      <p:sp>
+        <p:nvSpPr>
+          <p:cNvPr id="8" name="Google Shape;322;p35">
+            <a:extLst>
+              <a:ext uri="{FF2B5EF4-FFF2-40B4-BE49-F238E27FC236}">
+                <a16:creationId xmlns:a16="http://schemas.microsoft.com/office/drawing/2014/main" id="{9061DAEB-92A4-4035-B077-702BCFF1F180}"/>
+              </a:ext>
+            </a:extLst>
+          </p:cNvPr>
+          <p:cNvSpPr txBox="1"/>
+          <p:nvPr/>
+        </p:nvSpPr>
+        <p:spPr>
+          <a:xfrm>
+            <a:off x="5314950" y="6396335"/>
+            <a:ext cx="1562100" cy="461665"/>
+          </a:xfrm>
+          <a:prstGeom prst="rect">
+            <a:avLst/>
+          </a:prstGeom>
+          <a:noFill/>
+          <a:ln>
+            <a:noFill/>
+          </a:ln>
+        </p:spPr>
+        <p:txBody>
+          <a:bodyPr spcFirstLastPara="1" wrap="square" lIns="91425" tIns="45700" rIns="91425" bIns="45700" anchor="t" anchorCtr="0">
+            <a:spAutoFit/>
+          </a:bodyPr>
+          <a:lstStyle/>
+          <a:p>
+            <a:pPr marL="0" marR="0" lvl="0" indent="0" algn="l" rtl="0">
+              <a:lnSpc>
+                <a:spcPct val="100000"/>
+              </a:lnSpc>
+              <a:spcBef>
+                <a:spcPts val="0"/>
+              </a:spcBef>
+              <a:spcAft>
+                <a:spcPts val="0"/>
+              </a:spcAft>
+              <a:buNone/>
+            </a:pPr>
+            <a:r>
+              <a:rPr lang="en-US" sz="2400" b="1" i="0" u="none" strike="noStrike" cap="none" dirty="0">
+                <a:solidFill>
+                  <a:schemeClr val="lt1"/>
+                </a:solidFill>
+                <a:latin typeface="Arial"/>
+                <a:ea typeface="Arial"/>
+                <a:cs typeface="Arial"/>
+                <a:sym typeface="Arial"/>
+              </a:rPr>
+              <a:t>NHÓM </a:t>
+            </a:r>
+            <a:r>
+              <a:rPr lang="en-US" sz="2400" b="1" dirty="0">
+                <a:solidFill>
+                  <a:schemeClr val="lt1"/>
+                </a:solidFill>
+                <a:latin typeface="Arial"/>
+                <a:ea typeface="Arial"/>
+                <a:cs typeface="Arial"/>
+                <a:sym typeface="Arial"/>
+              </a:rPr>
+              <a:t>6</a:t>
+            </a:r>
+            <a:endParaRPr sz="2400" b="1" i="0" u="none" strike="noStrike" cap="none" dirty="0">
+              <a:solidFill>
+                <a:schemeClr val="lt1"/>
+              </a:solidFill>
+              <a:latin typeface="Arial"/>
+              <a:ea typeface="Arial"/>
+              <a:cs typeface="Arial"/>
+              <a:sym typeface="Arial"/>
+            </a:endParaRPr>
+          </a:p>
+        </p:txBody>
+      </p:sp>
+      <p:pic>
+        <p:nvPicPr>
           <p:cNvPr id="9" name="Picture 8">
             <a:extLst>
               <a:ext uri="{FF2B5EF4-FFF2-40B4-BE49-F238E27FC236}">
-                <a16:creationId xmlns:a16="http://schemas.microsoft.com/office/drawing/2014/main" id="{F6E0F867-28B3-47FA-9298-BDECEEEA067B}"/>
+                <a16:creationId xmlns:a16="http://schemas.microsoft.com/office/drawing/2014/main" id="{413FDECF-39C9-4A70-B3BB-B72FB887AE1A}"/>
+              </a:ext>
+            </a:extLst>
+          </p:cNvPr>
+          <p:cNvPicPr>
+            <a:picLocks noChangeAspect="1"/>
+          </p:cNvPicPr>
+          <p:nvPr/>
+        </p:nvPicPr>
+        <p:blipFill>
+          <a:blip r:embed="rId2"/>
+          <a:stretch>
+            <a:fillRect/>
+          </a:stretch>
+        </p:blipFill>
+        <p:spPr>
+          <a:xfrm>
+            <a:off x="409074" y="1767465"/>
+            <a:ext cx="5580380" cy="3137535"/>
+          </a:xfrm>
+          <a:prstGeom prst="rect">
+            <a:avLst/>
+          </a:prstGeom>
+        </p:spPr>
+      </p:pic>
+      <p:pic>
+        <p:nvPicPr>
+          <p:cNvPr id="10" name="Picture 9">
+            <a:extLst>
+              <a:ext uri="{FF2B5EF4-FFF2-40B4-BE49-F238E27FC236}">
+                <a16:creationId xmlns:a16="http://schemas.microsoft.com/office/drawing/2014/main" id="{748DAA87-488B-4D2A-92D7-39F2BA834A41}"/>
+              </a:ext>
+            </a:extLst>
+          </p:cNvPr>
+          <p:cNvPicPr>
+            <a:picLocks noChangeAspect="1"/>
+          </p:cNvPicPr>
+          <p:nvPr/>
+        </p:nvPicPr>
+        <p:blipFill>
+          <a:blip r:embed="rId3"/>
+          <a:stretch>
+            <a:fillRect/>
+          </a:stretch>
+        </p:blipFill>
+        <p:spPr>
+          <a:xfrm>
+            <a:off x="6202546" y="1767465"/>
+            <a:ext cx="5580380" cy="3137535"/>
+          </a:xfrm>
+          <a:prstGeom prst="rect">
+            <a:avLst/>
+          </a:prstGeom>
+        </p:spPr>
+      </p:pic>
+      <p:sp>
+        <p:nvSpPr>
+          <p:cNvPr id="11" name="TextBox 10">
+            <a:extLst>
+              <a:ext uri="{FF2B5EF4-FFF2-40B4-BE49-F238E27FC236}">
+                <a16:creationId xmlns:a16="http://schemas.microsoft.com/office/drawing/2014/main" id="{8A26B2C8-0295-4FA9-BDFE-54F43A647C30}"/>
+              </a:ext>
+            </a:extLst>
+          </p:cNvPr>
+          <p:cNvSpPr txBox="1"/>
+          <p:nvPr/>
+        </p:nvSpPr>
+        <p:spPr>
+          <a:xfrm>
+            <a:off x="2211653" y="5156000"/>
+            <a:ext cx="1975221" cy="369332"/>
+          </a:xfrm>
+          <a:prstGeom prst="rect">
+            <a:avLst/>
+          </a:prstGeom>
+          <a:noFill/>
+        </p:spPr>
+        <p:txBody>
+          <a:bodyPr wrap="none" rtlCol="0">
+            <a:spAutoFit/>
+          </a:bodyPr>
+          <a:lstStyle/>
+          <a:p>
+            <a:r>
+              <a:rPr lang="en-US" b="1" dirty="0"/>
+              <a:t>Giao </a:t>
+            </a:r>
+            <a:r>
+              <a:rPr lang="en-US" b="1" dirty="0" err="1"/>
+              <a:t>diện</a:t>
+            </a:r>
+            <a:r>
+              <a:rPr lang="en-US" b="1" dirty="0"/>
+              <a:t> </a:t>
+            </a:r>
+            <a:r>
+              <a:rPr lang="en-US" b="1" dirty="0" err="1"/>
+              <a:t>Nhắn</a:t>
+            </a:r>
+            <a:r>
+              <a:rPr lang="en-US" b="1" dirty="0"/>
+              <a:t> tin</a:t>
+            </a:r>
+          </a:p>
+        </p:txBody>
+      </p:sp>
+      <p:sp>
+        <p:nvSpPr>
+          <p:cNvPr id="12" name="TextBox 11">
+            <a:extLst>
+              <a:ext uri="{FF2B5EF4-FFF2-40B4-BE49-F238E27FC236}">
+                <a16:creationId xmlns:a16="http://schemas.microsoft.com/office/drawing/2014/main" id="{D86978DF-C8E2-426F-A17E-191A62C32407}"/>
+              </a:ext>
+            </a:extLst>
+          </p:cNvPr>
+          <p:cNvSpPr txBox="1"/>
+          <p:nvPr/>
+        </p:nvSpPr>
+        <p:spPr>
+          <a:xfrm>
+            <a:off x="8670683" y="5156000"/>
+            <a:ext cx="1508105" cy="369332"/>
+          </a:xfrm>
+          <a:prstGeom prst="rect">
+            <a:avLst/>
+          </a:prstGeom>
+          <a:noFill/>
+        </p:spPr>
+        <p:txBody>
+          <a:bodyPr wrap="none" rtlCol="0">
+            <a:spAutoFit/>
+          </a:bodyPr>
+          <a:lstStyle/>
+          <a:p>
+            <a:r>
+              <a:rPr lang="en-US" b="1" dirty="0"/>
+              <a:t>Trang </a:t>
+            </a:r>
+            <a:r>
+              <a:rPr lang="en-US" b="1" dirty="0" err="1"/>
+              <a:t>cá</a:t>
+            </a:r>
+            <a:r>
+              <a:rPr lang="en-US" b="1" dirty="0"/>
+              <a:t> </a:t>
+            </a:r>
+            <a:r>
+              <a:rPr lang="en-US" b="1" dirty="0" err="1"/>
+              <a:t>nhân</a:t>
+            </a:r>
+            <a:endParaRPr lang="en-US" b="1" dirty="0"/>
+          </a:p>
+        </p:txBody>
+      </p:sp>
+    </p:spTree>
+    <p:extLst>
+      <p:ext uri="{BB962C8B-B14F-4D97-AF65-F5344CB8AC3E}">
+        <p14:creationId xmlns:p14="http://schemas.microsoft.com/office/powerpoint/2010/main" val="3309046143"/>
+      </p:ext>
+    </p:extLst>
+  </p:cSld>
+  <p:clrMapOvr>
+    <a:masterClrMapping/>
+  </p:clrMapOvr>
+</p:sld>
+</file>
+
+<file path=ppt/slides/slide18.xml><?xml version="1.0" encoding="utf-8"?>
+<p:sld xmlns:a="http://schemas.openxmlformats.org/drawingml/2006/main" xmlns:r="http://schemas.openxmlformats.org/officeDocument/2006/relationships" xmlns:p="http://schemas.openxmlformats.org/presentationml/2006/main">
+  <p:cSld>
+    <p:spTree>
+      <p:nvGrpSpPr>
+        <p:cNvPr id="1" name=""/>
+        <p:cNvGrpSpPr/>
+        <p:nvPr/>
+      </p:nvGrpSpPr>
+      <p:grpSpPr>
+        <a:xfrm>
+          <a:off x="0" y="0"/>
+          <a:ext cx="0" cy="0"/>
+          <a:chOff x="0" y="0"/>
+          <a:chExt cx="0" cy="0"/>
+        </a:xfrm>
+      </p:grpSpPr>
+      <p:sp>
+        <p:nvSpPr>
+          <p:cNvPr id="2" name="Google Shape;319;p35">
+            <a:extLst>
+              <a:ext uri="{FF2B5EF4-FFF2-40B4-BE49-F238E27FC236}">
+                <a16:creationId xmlns:a16="http://schemas.microsoft.com/office/drawing/2014/main" id="{50117A52-87A7-4E3D-99B7-36C4AF2ECFB3}"/>
+              </a:ext>
+            </a:extLst>
+          </p:cNvPr>
+          <p:cNvSpPr/>
+          <p:nvPr/>
+        </p:nvSpPr>
+        <p:spPr>
+          <a:xfrm>
+            <a:off x="11173326" y="-476310"/>
+            <a:ext cx="609600" cy="1143000"/>
+          </a:xfrm>
+          <a:prstGeom prst="roundRect">
+            <a:avLst>
+              <a:gd name="adj" fmla="val 16667"/>
+            </a:avLst>
+          </a:prstGeom>
+          <a:solidFill>
+            <a:schemeClr val="accent3"/>
+          </a:solidFill>
+          <a:ln w="25400" cap="flat" cmpd="sng">
+            <a:solidFill>
+              <a:srgbClr val="05759E"/>
+            </a:solidFill>
+            <a:prstDash val="solid"/>
+            <a:round/>
+            <a:headEnd type="none" w="sm" len="sm"/>
+            <a:tailEnd type="none" w="sm" len="sm"/>
+          </a:ln>
+        </p:spPr>
+        <p:txBody>
+          <a:bodyPr spcFirstLastPara="1" wrap="square" lIns="91425" tIns="45700" rIns="91425" bIns="45700" anchor="ctr" anchorCtr="0">
+            <a:noAutofit/>
+          </a:bodyPr>
+          <a:lstStyle/>
+          <a:p>
+            <a:pPr marL="0" marR="0" lvl="0" indent="0" algn="ctr" rtl="0">
+              <a:lnSpc>
+                <a:spcPct val="100000"/>
+              </a:lnSpc>
+              <a:spcBef>
+                <a:spcPts val="0"/>
+              </a:spcBef>
+              <a:spcAft>
+                <a:spcPts val="0"/>
+              </a:spcAft>
+              <a:buClr>
+                <a:srgbClr val="000000"/>
+              </a:buClr>
+              <a:buSzPts val="1800"/>
+              <a:buFont typeface="Arial"/>
+              <a:buNone/>
+            </a:pPr>
+            <a:endParaRPr sz="1800" b="0" i="0" u="none" strike="noStrike" cap="none">
+              <a:solidFill>
+                <a:schemeClr val="lt1"/>
+              </a:solidFill>
+              <a:latin typeface="Libre Franklin Thin"/>
+              <a:ea typeface="Libre Franklin Thin"/>
+              <a:cs typeface="Libre Franklin Thin"/>
+              <a:sym typeface="Libre Franklin Thin"/>
+            </a:endParaRPr>
+          </a:p>
+        </p:txBody>
+      </p:sp>
+      <p:sp>
+        <p:nvSpPr>
+          <p:cNvPr id="3" name="Google Shape;320;p35">
+            <a:extLst>
+              <a:ext uri="{FF2B5EF4-FFF2-40B4-BE49-F238E27FC236}">
+                <a16:creationId xmlns:a16="http://schemas.microsoft.com/office/drawing/2014/main" id="{52C005D1-9A81-4415-B5A9-041C50EDD4D4}"/>
+              </a:ext>
+            </a:extLst>
+          </p:cNvPr>
+          <p:cNvSpPr txBox="1"/>
+          <p:nvPr/>
+        </p:nvSpPr>
+        <p:spPr>
+          <a:xfrm>
+            <a:off x="409074" y="666690"/>
+            <a:ext cx="4162926" cy="400069"/>
+          </a:xfrm>
+          <a:prstGeom prst="rect">
+            <a:avLst/>
+          </a:prstGeom>
+          <a:noFill/>
+          <a:ln>
+            <a:noFill/>
+          </a:ln>
+        </p:spPr>
+        <p:txBody>
+          <a:bodyPr spcFirstLastPara="1" wrap="square" lIns="91425" tIns="45700" rIns="91425" bIns="45700" anchor="t" anchorCtr="0">
+            <a:spAutoFit/>
+          </a:bodyPr>
+          <a:lstStyle/>
+          <a:p>
+            <a:pPr marL="342900" marR="0" lvl="0" indent="-342900" algn="l" rtl="0">
+              <a:lnSpc>
+                <a:spcPct val="100000"/>
+              </a:lnSpc>
+              <a:spcBef>
+                <a:spcPts val="0"/>
+              </a:spcBef>
+              <a:spcAft>
+                <a:spcPts val="0"/>
+              </a:spcAft>
+              <a:buClr>
+                <a:srgbClr val="03506C"/>
+              </a:buClr>
+              <a:buSzPts val="2000"/>
+              <a:buFont typeface="Noto Sans Symbols"/>
+              <a:buChar char="❖"/>
+            </a:pPr>
+            <a:r>
+              <a:rPr lang="en-US" sz="2000" b="1" u="sng" dirty="0">
+                <a:solidFill>
+                  <a:srgbClr val="03506C"/>
+                </a:solidFill>
+                <a:latin typeface="Arial"/>
+                <a:ea typeface="Arial"/>
+                <a:cs typeface="Arial"/>
+                <a:sym typeface="Arial"/>
+              </a:rPr>
+              <a:t>CÁC GIAO DIỆN MÀN HÌNH</a:t>
+            </a:r>
+            <a:endParaRPr sz="2000" b="1" i="0" u="sng" strike="noStrike" cap="none" dirty="0">
+              <a:solidFill>
+                <a:srgbClr val="03506C"/>
+              </a:solidFill>
+              <a:latin typeface="Arial"/>
+              <a:ea typeface="Arial"/>
+              <a:cs typeface="Arial"/>
+              <a:sym typeface="Arial"/>
+            </a:endParaRPr>
+          </a:p>
+        </p:txBody>
+      </p:sp>
+      <p:sp>
+        <p:nvSpPr>
+          <p:cNvPr id="4" name="Google Shape;321;p35">
+            <a:extLst>
+              <a:ext uri="{FF2B5EF4-FFF2-40B4-BE49-F238E27FC236}">
+                <a16:creationId xmlns:a16="http://schemas.microsoft.com/office/drawing/2014/main" id="{C2CC8BEB-C3AF-45C2-9288-240DF449D577}"/>
+              </a:ext>
+            </a:extLst>
+          </p:cNvPr>
+          <p:cNvSpPr txBox="1"/>
+          <p:nvPr/>
+        </p:nvSpPr>
+        <p:spPr>
+          <a:xfrm>
+            <a:off x="9424736" y="57090"/>
+            <a:ext cx="1824789" cy="571500"/>
+          </a:xfrm>
+          <a:prstGeom prst="rect">
+            <a:avLst/>
+          </a:prstGeom>
+          <a:noFill/>
+          <a:ln>
+            <a:noFill/>
+          </a:ln>
+        </p:spPr>
+        <p:txBody>
+          <a:bodyPr spcFirstLastPara="1" wrap="square" lIns="91425" tIns="45700" rIns="91425" bIns="45700" anchor="ctr" anchorCtr="0">
+            <a:noAutofit/>
+          </a:bodyPr>
+          <a:lstStyle/>
+          <a:p>
+            <a:pPr marL="0" marR="0" lvl="0" indent="0" algn="l" rtl="0">
+              <a:lnSpc>
+                <a:spcPct val="100000"/>
+              </a:lnSpc>
+              <a:spcBef>
+                <a:spcPts val="0"/>
+              </a:spcBef>
+              <a:spcAft>
+                <a:spcPts val="0"/>
+              </a:spcAft>
+              <a:buClr>
+                <a:srgbClr val="0578A2"/>
+              </a:buClr>
+              <a:buSzPts val="2400"/>
+              <a:buFont typeface="Arial"/>
+              <a:buNone/>
+            </a:pPr>
+            <a:r>
+              <a:rPr lang="en-US" sz="2400" b="1" i="0" u="none" strike="noStrike" cap="none">
+                <a:solidFill>
+                  <a:srgbClr val="0578A2"/>
+                </a:solidFill>
+                <a:latin typeface="Arial"/>
+                <a:ea typeface="Arial"/>
+                <a:cs typeface="Arial"/>
+                <a:sym typeface="Arial"/>
+              </a:rPr>
+              <a:t>THIẾT KẾ</a:t>
+            </a:r>
+            <a:endParaRPr sz="2400" b="1" i="0" u="none" strike="noStrike" cap="none">
+              <a:solidFill>
+                <a:srgbClr val="0578A2"/>
+              </a:solidFill>
+              <a:latin typeface="Arial"/>
+              <a:ea typeface="Arial"/>
+              <a:cs typeface="Arial"/>
+              <a:sym typeface="Arial"/>
+            </a:endParaRPr>
+          </a:p>
+        </p:txBody>
+      </p:sp>
+      <p:pic>
+        <p:nvPicPr>
+          <p:cNvPr id="5" name="Picture 4">
+            <a:extLst>
+              <a:ext uri="{FF2B5EF4-FFF2-40B4-BE49-F238E27FC236}">
+                <a16:creationId xmlns:a16="http://schemas.microsoft.com/office/drawing/2014/main" id="{D23985BE-3562-4AE2-A91A-68FDB3717B0A}"/>
               </a:ext>
             </a:extLst>
           </p:cNvPr>
@@ -12185,10 +13063,10 @@
       </p:pic>
       <p:sp>
         <p:nvSpPr>
-          <p:cNvPr id="10" name="TextBox 9">
+          <p:cNvPr id="6" name="TextBox 5">
             <a:extLst>
               <a:ext uri="{FF2B5EF4-FFF2-40B4-BE49-F238E27FC236}">
-                <a16:creationId xmlns:a16="http://schemas.microsoft.com/office/drawing/2014/main" id="{FB2FAF57-011D-4CEF-92C6-83A822014D1F}"/>
+                <a16:creationId xmlns:a16="http://schemas.microsoft.com/office/drawing/2014/main" id="{072ADC62-5A76-4544-A1CF-697E734AAD97}"/>
               </a:ext>
             </a:extLst>
           </p:cNvPr>
@@ -12229,10 +13107,10 @@
       </p:sp>
       <p:pic>
         <p:nvPicPr>
-          <p:cNvPr id="12" name="Picture 11">
+          <p:cNvPr id="7" name="Picture 6">
             <a:extLst>
               <a:ext uri="{FF2B5EF4-FFF2-40B4-BE49-F238E27FC236}">
-                <a16:creationId xmlns:a16="http://schemas.microsoft.com/office/drawing/2014/main" id="{6206CD20-D3F3-4EB7-A55E-5343B75C7010}"/>
+                <a16:creationId xmlns:a16="http://schemas.microsoft.com/office/drawing/2014/main" id="{1AC0C76E-9D71-4E26-81D1-9FF8744BC4DD}"/>
               </a:ext>
             </a:extLst>
           </p:cNvPr>
@@ -12265,10 +13143,10 @@
       </p:pic>
       <p:sp>
         <p:nvSpPr>
-          <p:cNvPr id="14" name="TextBox 13">
+          <p:cNvPr id="8" name="TextBox 7">
             <a:extLst>
               <a:ext uri="{FF2B5EF4-FFF2-40B4-BE49-F238E27FC236}">
-                <a16:creationId xmlns:a16="http://schemas.microsoft.com/office/drawing/2014/main" id="{D3F925E4-334B-4F89-A760-CE4E918A53A1}"/>
+                <a16:creationId xmlns:a16="http://schemas.microsoft.com/office/drawing/2014/main" id="{DE175F80-38BA-4787-8682-257CEF9A5F20}"/>
               </a:ext>
             </a:extLst>
           </p:cNvPr>
@@ -12315,10 +13193,89 @@
           </a:p>
         </p:txBody>
       </p:sp>
+      <p:sp>
+        <p:nvSpPr>
+          <p:cNvPr id="9" name="Google Shape;322;p35">
+            <a:extLst>
+              <a:ext uri="{FF2B5EF4-FFF2-40B4-BE49-F238E27FC236}">
+                <a16:creationId xmlns:a16="http://schemas.microsoft.com/office/drawing/2014/main" id="{0468F396-F898-4AD3-81E8-B5CF7A5A96F9}"/>
+              </a:ext>
+            </a:extLst>
+          </p:cNvPr>
+          <p:cNvSpPr txBox="1"/>
+          <p:nvPr/>
+        </p:nvSpPr>
+        <p:spPr>
+          <a:xfrm>
+            <a:off x="5314950" y="6396335"/>
+            <a:ext cx="1562100" cy="461665"/>
+          </a:xfrm>
+          <a:prstGeom prst="rect">
+            <a:avLst/>
+          </a:prstGeom>
+          <a:noFill/>
+          <a:ln>
+            <a:noFill/>
+          </a:ln>
+        </p:spPr>
+        <p:txBody>
+          <a:bodyPr spcFirstLastPara="1" wrap="square" lIns="91425" tIns="45700" rIns="91425" bIns="45700" anchor="t" anchorCtr="0">
+            <a:spAutoFit/>
+          </a:bodyPr>
+          <a:lstStyle/>
+          <a:p>
+            <a:pPr marL="0" marR="0" lvl="0" indent="0" algn="l" rtl="0">
+              <a:lnSpc>
+                <a:spcPct val="100000"/>
+              </a:lnSpc>
+              <a:spcBef>
+                <a:spcPts val="0"/>
+              </a:spcBef>
+              <a:spcAft>
+                <a:spcPts val="0"/>
+              </a:spcAft>
+              <a:buNone/>
+            </a:pPr>
+            <a:r>
+              <a:rPr lang="en-US" sz="2400" b="1" i="0" u="none" strike="noStrike" cap="none" dirty="0">
+                <a:solidFill>
+                  <a:schemeClr val="lt1"/>
+                </a:solidFill>
+                <a:latin typeface="Arial"/>
+                <a:ea typeface="Arial"/>
+                <a:cs typeface="Arial"/>
+                <a:sym typeface="Arial"/>
+              </a:rPr>
+              <a:t>NHÓM </a:t>
+            </a:r>
+            <a:r>
+              <a:rPr lang="en-US" sz="2400" b="1" dirty="0">
+                <a:solidFill>
+                  <a:schemeClr val="lt1"/>
+                </a:solidFill>
+                <a:latin typeface="Arial"/>
+                <a:ea typeface="Arial"/>
+                <a:cs typeface="Arial"/>
+                <a:sym typeface="Arial"/>
+              </a:rPr>
+              <a:t>6</a:t>
+            </a:r>
+            <a:endParaRPr sz="2400" b="1" i="0" u="none" strike="noStrike" cap="none" dirty="0">
+              <a:solidFill>
+                <a:schemeClr val="lt1"/>
+              </a:solidFill>
+              <a:latin typeface="Arial"/>
+              <a:ea typeface="Arial"/>
+              <a:cs typeface="Arial"/>
+              <a:sym typeface="Arial"/>
+            </a:endParaRPr>
+          </a:p>
+        </p:txBody>
+      </p:sp>
     </p:spTree>
     <p:extLst>
       <p:ext uri="{BB962C8B-B14F-4D97-AF65-F5344CB8AC3E}">
-        <p14:creationId xmlns:p14="http://schemas.microsoft.com/office/powerpoint/2010/main" val="2698738429"/>
+        <p14:creationId xmlns:p14="http://schemas.microsoft.com/office/powerpoint/2010/main" val="895217445"/>
       </p:ext>
     </p:extLst>
   </p:cSld>
@@ -12328,7 +13285,7 @@
 </p:sld>
 </file>
 
-<file path=ppt/slides/slide17.xml><?xml version="1.0" encoding="utf-8"?>
+<file path=ppt/slides/slide19.xml><?xml version="1.0" encoding="utf-8"?>
 <p:sld xmlns:a="http://schemas.openxmlformats.org/drawingml/2006/main" xmlns:r="http://schemas.openxmlformats.org/officeDocument/2006/relationships" xmlns:p="http://schemas.openxmlformats.org/presentationml/2006/main">
   <p:cSld>
     <p:spTree>
@@ -12738,628 +13695,6 @@
     <p:extLst>
       <p:ext uri="{BB962C8B-B14F-4D97-AF65-F5344CB8AC3E}">
         <p14:creationId xmlns:p14="http://schemas.microsoft.com/office/powerpoint/2010/main" val="1682014255"/>
-      </p:ext>
-    </p:extLst>
-  </p:cSld>
-  <p:clrMapOvr>
-    <a:masterClrMapping/>
-  </p:clrMapOvr>
-</p:sld>
-</file>
-
-<file path=ppt/slides/slide18.xml><?xml version="1.0" encoding="utf-8"?>
-<p:sld xmlns:a="http://schemas.openxmlformats.org/drawingml/2006/main" xmlns:r="http://schemas.openxmlformats.org/officeDocument/2006/relationships" xmlns:p="http://schemas.openxmlformats.org/presentationml/2006/main">
-  <p:cSld>
-    <p:spTree>
-      <p:nvGrpSpPr>
-        <p:cNvPr id="1" name=""/>
-        <p:cNvGrpSpPr/>
-        <p:nvPr/>
-      </p:nvGrpSpPr>
-      <p:grpSpPr>
-        <a:xfrm>
-          <a:off x="0" y="0"/>
-          <a:ext cx="0" cy="0"/>
-          <a:chOff x="0" y="0"/>
-          <a:chExt cx="0" cy="0"/>
-        </a:xfrm>
-      </p:grpSpPr>
-      <p:sp>
-        <p:nvSpPr>
-          <p:cNvPr id="2" name="Google Shape;319;p35">
-            <a:extLst>
-              <a:ext uri="{FF2B5EF4-FFF2-40B4-BE49-F238E27FC236}">
-                <a16:creationId xmlns:a16="http://schemas.microsoft.com/office/drawing/2014/main" id="{7C0478A8-3F75-4502-B52A-01C233A094E7}"/>
-              </a:ext>
-            </a:extLst>
-          </p:cNvPr>
-          <p:cNvSpPr/>
-          <p:nvPr/>
-        </p:nvSpPr>
-        <p:spPr>
-          <a:xfrm>
-            <a:off x="11173326" y="-476310"/>
-            <a:ext cx="609600" cy="1143000"/>
-          </a:xfrm>
-          <a:prstGeom prst="roundRect">
-            <a:avLst>
-              <a:gd name="adj" fmla="val 16667"/>
-            </a:avLst>
-          </a:prstGeom>
-          <a:solidFill>
-            <a:schemeClr val="accent3"/>
-          </a:solidFill>
-          <a:ln w="25400" cap="flat" cmpd="sng">
-            <a:solidFill>
-              <a:srgbClr val="05759E"/>
-            </a:solidFill>
-            <a:prstDash val="solid"/>
-            <a:round/>
-            <a:headEnd type="none" w="sm" len="sm"/>
-            <a:tailEnd type="none" w="sm" len="sm"/>
-          </a:ln>
-        </p:spPr>
-        <p:txBody>
-          <a:bodyPr spcFirstLastPara="1" wrap="square" lIns="91425" tIns="45700" rIns="91425" bIns="45700" anchor="ctr" anchorCtr="0">
-            <a:noAutofit/>
-          </a:bodyPr>
-          <a:lstStyle/>
-          <a:p>
-            <a:pPr marL="0" marR="0" lvl="0" indent="0" algn="ctr" rtl="0">
-              <a:lnSpc>
-                <a:spcPct val="100000"/>
-              </a:lnSpc>
-              <a:spcBef>
-                <a:spcPts val="0"/>
-              </a:spcBef>
-              <a:spcAft>
-                <a:spcPts val="0"/>
-              </a:spcAft>
-              <a:buClr>
-                <a:srgbClr val="000000"/>
-              </a:buClr>
-              <a:buSzPts val="1800"/>
-              <a:buFont typeface="Arial"/>
-              <a:buNone/>
-            </a:pPr>
-            <a:endParaRPr sz="1800" b="0" i="0" u="none" strike="noStrike" cap="none">
-              <a:solidFill>
-                <a:schemeClr val="lt1"/>
-              </a:solidFill>
-              <a:latin typeface="Libre Franklin Thin"/>
-              <a:ea typeface="Libre Franklin Thin"/>
-              <a:cs typeface="Libre Franklin Thin"/>
-              <a:sym typeface="Libre Franklin Thin"/>
-            </a:endParaRPr>
-          </a:p>
-        </p:txBody>
-      </p:sp>
-      <p:sp>
-        <p:nvSpPr>
-          <p:cNvPr id="3" name="Google Shape;320;p35">
-            <a:extLst>
-              <a:ext uri="{FF2B5EF4-FFF2-40B4-BE49-F238E27FC236}">
-                <a16:creationId xmlns:a16="http://schemas.microsoft.com/office/drawing/2014/main" id="{0126A184-298E-41D6-A51D-95AF6E54812F}"/>
-              </a:ext>
-            </a:extLst>
-          </p:cNvPr>
-          <p:cNvSpPr txBox="1"/>
-          <p:nvPr/>
-        </p:nvSpPr>
-        <p:spPr>
-          <a:xfrm>
-            <a:off x="409074" y="666690"/>
-            <a:ext cx="4162926" cy="400069"/>
-          </a:xfrm>
-          <a:prstGeom prst="rect">
-            <a:avLst/>
-          </a:prstGeom>
-          <a:noFill/>
-          <a:ln>
-            <a:noFill/>
-          </a:ln>
-        </p:spPr>
-        <p:txBody>
-          <a:bodyPr spcFirstLastPara="1" wrap="square" lIns="91425" tIns="45700" rIns="91425" bIns="45700" anchor="t" anchorCtr="0">
-            <a:spAutoFit/>
-          </a:bodyPr>
-          <a:lstStyle/>
-          <a:p>
-            <a:pPr marL="342900" marR="0" lvl="0" indent="-342900" algn="l" rtl="0">
-              <a:lnSpc>
-                <a:spcPct val="100000"/>
-              </a:lnSpc>
-              <a:spcBef>
-                <a:spcPts val="0"/>
-              </a:spcBef>
-              <a:spcAft>
-                <a:spcPts val="0"/>
-              </a:spcAft>
-              <a:buClr>
-                <a:srgbClr val="03506C"/>
-              </a:buClr>
-              <a:buSzPts val="2000"/>
-              <a:buFont typeface="Noto Sans Symbols"/>
-              <a:buChar char="❖"/>
-            </a:pPr>
-            <a:r>
-              <a:rPr lang="en-US" sz="2000" b="1" u="sng" dirty="0">
-                <a:solidFill>
-                  <a:srgbClr val="03506C"/>
-                </a:solidFill>
-                <a:latin typeface="Arial"/>
-                <a:ea typeface="Arial"/>
-                <a:cs typeface="Arial"/>
-                <a:sym typeface="Arial"/>
-              </a:rPr>
-              <a:t>CÁC GIAO DIỆN MÀN HÌNH</a:t>
-            </a:r>
-            <a:endParaRPr sz="2000" b="1" i="0" u="sng" strike="noStrike" cap="none" dirty="0">
-              <a:solidFill>
-                <a:srgbClr val="03506C"/>
-              </a:solidFill>
-              <a:latin typeface="Arial"/>
-              <a:ea typeface="Arial"/>
-              <a:cs typeface="Arial"/>
-              <a:sym typeface="Arial"/>
-            </a:endParaRPr>
-          </a:p>
-        </p:txBody>
-      </p:sp>
-      <p:sp>
-        <p:nvSpPr>
-          <p:cNvPr id="4" name="Google Shape;321;p35">
-            <a:extLst>
-              <a:ext uri="{FF2B5EF4-FFF2-40B4-BE49-F238E27FC236}">
-                <a16:creationId xmlns:a16="http://schemas.microsoft.com/office/drawing/2014/main" id="{D2A71821-2155-4AB7-8140-AE2578AA2C56}"/>
-              </a:ext>
-            </a:extLst>
-          </p:cNvPr>
-          <p:cNvSpPr txBox="1"/>
-          <p:nvPr/>
-        </p:nvSpPr>
-        <p:spPr>
-          <a:xfrm>
-            <a:off x="9424736" y="57090"/>
-            <a:ext cx="1824789" cy="571500"/>
-          </a:xfrm>
-          <a:prstGeom prst="rect">
-            <a:avLst/>
-          </a:prstGeom>
-          <a:noFill/>
-          <a:ln>
-            <a:noFill/>
-          </a:ln>
-        </p:spPr>
-        <p:txBody>
-          <a:bodyPr spcFirstLastPara="1" wrap="square" lIns="91425" tIns="45700" rIns="91425" bIns="45700" anchor="ctr" anchorCtr="0">
-            <a:noAutofit/>
-          </a:bodyPr>
-          <a:lstStyle/>
-          <a:p>
-            <a:pPr marL="0" marR="0" lvl="0" indent="0" algn="l" rtl="0">
-              <a:lnSpc>
-                <a:spcPct val="100000"/>
-              </a:lnSpc>
-              <a:spcBef>
-                <a:spcPts val="0"/>
-              </a:spcBef>
-              <a:spcAft>
-                <a:spcPts val="0"/>
-              </a:spcAft>
-              <a:buClr>
-                <a:srgbClr val="0578A2"/>
-              </a:buClr>
-              <a:buSzPts val="2400"/>
-              <a:buFont typeface="Arial"/>
-              <a:buNone/>
-            </a:pPr>
-            <a:r>
-              <a:rPr lang="en-US" sz="2400" b="1" i="0" u="none" strike="noStrike" cap="none">
-                <a:solidFill>
-                  <a:srgbClr val="0578A2"/>
-                </a:solidFill>
-                <a:latin typeface="Arial"/>
-                <a:ea typeface="Arial"/>
-                <a:cs typeface="Arial"/>
-                <a:sym typeface="Arial"/>
-              </a:rPr>
-              <a:t>THIẾT KẾ</a:t>
-            </a:r>
-            <a:endParaRPr sz="2400" b="1" i="0" u="none" strike="noStrike" cap="none">
-              <a:solidFill>
-                <a:srgbClr val="0578A2"/>
-              </a:solidFill>
-              <a:latin typeface="Arial"/>
-              <a:ea typeface="Arial"/>
-              <a:cs typeface="Arial"/>
-              <a:sym typeface="Arial"/>
-            </a:endParaRPr>
-          </a:p>
-        </p:txBody>
-      </p:sp>
-      <p:sp>
-        <p:nvSpPr>
-          <p:cNvPr id="5" name="Google Shape;322;p35">
-            <a:extLst>
-              <a:ext uri="{FF2B5EF4-FFF2-40B4-BE49-F238E27FC236}">
-                <a16:creationId xmlns:a16="http://schemas.microsoft.com/office/drawing/2014/main" id="{59D5B30F-C62E-4D16-8C3B-EF79DFD6400F}"/>
-              </a:ext>
-            </a:extLst>
-          </p:cNvPr>
-          <p:cNvSpPr txBox="1"/>
-          <p:nvPr/>
-        </p:nvSpPr>
-        <p:spPr>
-          <a:xfrm>
-            <a:off x="5314950" y="6396335"/>
-            <a:ext cx="1562100" cy="461665"/>
-          </a:xfrm>
-          <a:prstGeom prst="rect">
-            <a:avLst/>
-          </a:prstGeom>
-          <a:noFill/>
-          <a:ln>
-            <a:noFill/>
-          </a:ln>
-        </p:spPr>
-        <p:txBody>
-          <a:bodyPr spcFirstLastPara="1" wrap="square" lIns="91425" tIns="45700" rIns="91425" bIns="45700" anchor="t" anchorCtr="0">
-            <a:spAutoFit/>
-          </a:bodyPr>
-          <a:lstStyle/>
-          <a:p>
-            <a:pPr marL="0" marR="0" lvl="0" indent="0" algn="l" rtl="0">
-              <a:lnSpc>
-                <a:spcPct val="100000"/>
-              </a:lnSpc>
-              <a:spcBef>
-                <a:spcPts val="0"/>
-              </a:spcBef>
-              <a:spcAft>
-                <a:spcPts val="0"/>
-              </a:spcAft>
-              <a:buNone/>
-            </a:pPr>
-            <a:r>
-              <a:rPr lang="en-US" sz="2400" b="1" i="0" u="none" strike="noStrike" cap="none" dirty="0">
-                <a:solidFill>
-                  <a:schemeClr val="lt1"/>
-                </a:solidFill>
-                <a:latin typeface="Arial"/>
-                <a:ea typeface="Arial"/>
-                <a:cs typeface="Arial"/>
-                <a:sym typeface="Arial"/>
-              </a:rPr>
-              <a:t>NHÓM </a:t>
-            </a:r>
-            <a:r>
-              <a:rPr lang="en-US" sz="2400" b="1" dirty="0">
-                <a:solidFill>
-                  <a:schemeClr val="lt1"/>
-                </a:solidFill>
-                <a:latin typeface="Arial"/>
-                <a:ea typeface="Arial"/>
-                <a:cs typeface="Arial"/>
-                <a:sym typeface="Arial"/>
-              </a:rPr>
-              <a:t>6</a:t>
-            </a:r>
-            <a:endParaRPr sz="2400" b="1" i="0" u="none" strike="noStrike" cap="none" dirty="0">
-              <a:solidFill>
-                <a:schemeClr val="lt1"/>
-              </a:solidFill>
-              <a:latin typeface="Arial"/>
-              <a:ea typeface="Arial"/>
-              <a:cs typeface="Arial"/>
-              <a:sym typeface="Arial"/>
-            </a:endParaRPr>
-          </a:p>
-        </p:txBody>
-      </p:sp>
-      <p:sp>
-        <p:nvSpPr>
-          <p:cNvPr id="8" name="TextBox 7">
-            <a:extLst>
-              <a:ext uri="{FF2B5EF4-FFF2-40B4-BE49-F238E27FC236}">
-                <a16:creationId xmlns:a16="http://schemas.microsoft.com/office/drawing/2014/main" id="{AA2FF00F-44DE-41C8-9497-40CB8D5A227F}"/>
-              </a:ext>
-            </a:extLst>
-          </p:cNvPr>
-          <p:cNvSpPr txBox="1"/>
-          <p:nvPr/>
-        </p:nvSpPr>
-        <p:spPr>
-          <a:xfrm>
-            <a:off x="3897673" y="5747841"/>
-            <a:ext cx="4396653" cy="369332"/>
-          </a:xfrm>
-          <a:prstGeom prst="rect">
-            <a:avLst/>
-          </a:prstGeom>
-          <a:noFill/>
-        </p:spPr>
-        <p:txBody>
-          <a:bodyPr wrap="none" rtlCol="0">
-            <a:spAutoFit/>
-          </a:bodyPr>
-          <a:lstStyle/>
-          <a:p>
-            <a:r>
-              <a:rPr lang="en-US" b="1" dirty="0" err="1"/>
-              <a:t>Chức</a:t>
-            </a:r>
-            <a:r>
-              <a:rPr lang="en-US" b="1" dirty="0"/>
-              <a:t> </a:t>
-            </a:r>
-            <a:r>
-              <a:rPr lang="en-US" b="1" dirty="0" err="1"/>
-              <a:t>năng</a:t>
-            </a:r>
-            <a:r>
-              <a:rPr lang="en-US" b="1" dirty="0"/>
-              <a:t> </a:t>
-            </a:r>
-            <a:r>
-              <a:rPr lang="en-US" b="1" dirty="0" err="1"/>
-              <a:t>thêm</a:t>
-            </a:r>
-            <a:r>
-              <a:rPr lang="en-US" b="1" dirty="0"/>
-              <a:t> </a:t>
-            </a:r>
-            <a:r>
-              <a:rPr lang="en-US" b="1" dirty="0" err="1"/>
-              <a:t>người</a:t>
-            </a:r>
-            <a:r>
-              <a:rPr lang="en-US" b="1" dirty="0"/>
-              <a:t> </a:t>
-            </a:r>
-            <a:r>
-              <a:rPr lang="en-US" b="1" dirty="0" err="1"/>
-              <a:t>dùng</a:t>
-            </a:r>
-            <a:r>
-              <a:rPr lang="en-US" b="1" dirty="0"/>
-              <a:t> </a:t>
-            </a:r>
-            <a:r>
-              <a:rPr lang="en-US" b="1" dirty="0" err="1"/>
-              <a:t>vào</a:t>
-            </a:r>
-            <a:r>
-              <a:rPr lang="en-US" b="1" dirty="0"/>
-              <a:t> </a:t>
-            </a:r>
-            <a:r>
-              <a:rPr lang="en-US" b="1" dirty="0" err="1"/>
-              <a:t>nhóm</a:t>
-            </a:r>
-            <a:r>
-              <a:rPr lang="en-US" b="1" dirty="0"/>
-              <a:t> chat</a:t>
-            </a:r>
-          </a:p>
-        </p:txBody>
-      </p:sp>
-      <p:pic>
-        <p:nvPicPr>
-          <p:cNvPr id="9" name="Picture 8">
-            <a:extLst>
-              <a:ext uri="{FF2B5EF4-FFF2-40B4-BE49-F238E27FC236}">
-                <a16:creationId xmlns:a16="http://schemas.microsoft.com/office/drawing/2014/main" id="{8BA91D44-397C-4B38-8D67-306D74553A38}"/>
-              </a:ext>
-            </a:extLst>
-          </p:cNvPr>
-          <p:cNvPicPr>
-            <a:picLocks noChangeAspect="1"/>
-          </p:cNvPicPr>
-          <p:nvPr/>
-        </p:nvPicPr>
-        <p:blipFill>
-          <a:blip r:embed="rId2">
-            <a:extLst>
-              <a:ext uri="{28A0092B-C50C-407E-A947-70E740481C1C}">
-                <a14:useLocalDpi xmlns:a14="http://schemas.microsoft.com/office/drawing/2010/main" val="0"/>
-              </a:ext>
-            </a:extLst>
-          </a:blip>
-          <a:stretch>
-            <a:fillRect/>
-          </a:stretch>
-        </p:blipFill>
-        <p:spPr>
-          <a:xfrm>
-            <a:off x="1679297" y="1237346"/>
-            <a:ext cx="8630433" cy="4498772"/>
-          </a:xfrm>
-          <a:prstGeom prst="rect">
-            <a:avLst/>
-          </a:prstGeom>
-        </p:spPr>
-      </p:pic>
-    </p:spTree>
-    <p:extLst>
-      <p:ext uri="{BB962C8B-B14F-4D97-AF65-F5344CB8AC3E}">
-        <p14:creationId xmlns:p14="http://schemas.microsoft.com/office/powerpoint/2010/main" val="186932454"/>
-      </p:ext>
-    </p:extLst>
-  </p:cSld>
-  <p:clrMapOvr>
-    <a:masterClrMapping/>
-  </p:clrMapOvr>
-</p:sld>
-</file>
-
-<file path=ppt/slides/slide19.xml><?xml version="1.0" encoding="utf-8"?>
-<p:sld xmlns:a="http://schemas.openxmlformats.org/drawingml/2006/main" xmlns:r="http://schemas.openxmlformats.org/officeDocument/2006/relationships" xmlns:p="http://schemas.openxmlformats.org/presentationml/2006/main">
-  <p:cSld>
-    <p:spTree>
-      <p:nvGrpSpPr>
-        <p:cNvPr id="1" name=""/>
-        <p:cNvGrpSpPr/>
-        <p:nvPr/>
-      </p:nvGrpSpPr>
-      <p:grpSpPr>
-        <a:xfrm>
-          <a:off x="0" y="0"/>
-          <a:ext cx="0" cy="0"/>
-          <a:chOff x="0" y="0"/>
-          <a:chExt cx="0" cy="0"/>
-        </a:xfrm>
-      </p:grpSpPr>
-      <p:sp>
-        <p:nvSpPr>
-          <p:cNvPr id="2" name="Google Shape;536;p57">
-            <a:extLst>
-              <a:ext uri="{FF2B5EF4-FFF2-40B4-BE49-F238E27FC236}">
-                <a16:creationId xmlns:a16="http://schemas.microsoft.com/office/drawing/2014/main" id="{8FCC8CB8-632D-4BD9-A21F-353B3A67637B}"/>
-              </a:ext>
-            </a:extLst>
-          </p:cNvPr>
-          <p:cNvSpPr txBox="1"/>
-          <p:nvPr/>
-        </p:nvSpPr>
-        <p:spPr>
-          <a:xfrm>
-            <a:off x="2684060" y="1503271"/>
-            <a:ext cx="6823879" cy="4524315"/>
-          </a:xfrm>
-          <a:prstGeom prst="rect">
-            <a:avLst/>
-          </a:prstGeom>
-          <a:noFill/>
-          <a:ln>
-            <a:noFill/>
-          </a:ln>
-        </p:spPr>
-        <p:txBody>
-          <a:bodyPr spcFirstLastPara="1" wrap="square" lIns="91425" tIns="45700" rIns="91425" bIns="45700" anchor="t" anchorCtr="0">
-            <a:spAutoFit/>
-          </a:bodyPr>
-          <a:lstStyle/>
-          <a:p>
-            <a:pPr marL="0" marR="0" lvl="0" indent="0" algn="ctr" rtl="0">
-              <a:lnSpc>
-                <a:spcPct val="100000"/>
-              </a:lnSpc>
-              <a:spcBef>
-                <a:spcPts val="0"/>
-              </a:spcBef>
-              <a:spcAft>
-                <a:spcPts val="0"/>
-              </a:spcAft>
-              <a:buNone/>
-            </a:pPr>
-            <a:r>
-              <a:rPr lang="en-US" sz="9600" b="1" i="0" u="none" strike="noStrike" cap="none" dirty="0">
-                <a:solidFill>
-                  <a:srgbClr val="2683C6"/>
-                </a:solidFill>
-                <a:latin typeface="Courier New"/>
-                <a:ea typeface="Courier New"/>
-                <a:cs typeface="Courier New"/>
-                <a:sym typeface="Courier New"/>
-              </a:rPr>
-              <a:t>THANKS FOR WATCHING</a:t>
-            </a:r>
-            <a:endParaRPr sz="9600" b="1" i="0" u="none" strike="noStrike" cap="none" dirty="0">
-              <a:solidFill>
-                <a:srgbClr val="2683C6"/>
-              </a:solidFill>
-              <a:latin typeface="Courier New"/>
-              <a:ea typeface="Courier New"/>
-              <a:cs typeface="Courier New"/>
-              <a:sym typeface="Courier New"/>
-            </a:endParaRPr>
-          </a:p>
-        </p:txBody>
-      </p:sp>
-      <p:sp>
-        <p:nvSpPr>
-          <p:cNvPr id="3" name="Google Shape;537;p57">
-            <a:extLst>
-              <a:ext uri="{FF2B5EF4-FFF2-40B4-BE49-F238E27FC236}">
-                <a16:creationId xmlns:a16="http://schemas.microsoft.com/office/drawing/2014/main" id="{7EC9ECD5-A625-4450-B9E5-0F7D43FEC01D}"/>
-              </a:ext>
-            </a:extLst>
-          </p:cNvPr>
-          <p:cNvSpPr txBox="1"/>
-          <p:nvPr/>
-        </p:nvSpPr>
-        <p:spPr>
-          <a:xfrm>
-            <a:off x="5314950" y="726031"/>
-            <a:ext cx="1562100" cy="461665"/>
-          </a:xfrm>
-          <a:prstGeom prst="rect">
-            <a:avLst/>
-          </a:prstGeom>
-          <a:noFill/>
-          <a:ln>
-            <a:noFill/>
-          </a:ln>
-        </p:spPr>
-        <p:txBody>
-          <a:bodyPr spcFirstLastPara="1" wrap="square" lIns="91425" tIns="45700" rIns="91425" bIns="45700" anchor="t" anchorCtr="0">
-            <a:spAutoFit/>
-          </a:bodyPr>
-          <a:lstStyle/>
-          <a:p>
-            <a:pPr marL="0" marR="0" lvl="0" indent="0" algn="l" rtl="0">
-              <a:lnSpc>
-                <a:spcPct val="100000"/>
-              </a:lnSpc>
-              <a:spcBef>
-                <a:spcPts val="0"/>
-              </a:spcBef>
-              <a:spcAft>
-                <a:spcPts val="0"/>
-              </a:spcAft>
-              <a:buNone/>
-            </a:pPr>
-            <a:r>
-              <a:rPr lang="en-US" sz="2400" b="1" i="0" u="none" strike="noStrike" cap="none" dirty="0">
-                <a:solidFill>
-                  <a:srgbClr val="2683C6"/>
-                </a:solidFill>
-                <a:latin typeface="Arial"/>
-                <a:ea typeface="Arial"/>
-                <a:cs typeface="Arial"/>
-                <a:sym typeface="Arial"/>
-              </a:rPr>
-              <a:t>NHÓM </a:t>
-            </a:r>
-            <a:r>
-              <a:rPr lang="en-US" sz="2400" b="1" dirty="0">
-                <a:solidFill>
-                  <a:srgbClr val="2683C6"/>
-                </a:solidFill>
-                <a:latin typeface="Arial"/>
-                <a:ea typeface="Arial"/>
-                <a:cs typeface="Arial"/>
-                <a:sym typeface="Arial"/>
-              </a:rPr>
-              <a:t>6</a:t>
-            </a:r>
-            <a:endParaRPr sz="2400" b="1" i="0" u="none" strike="noStrike" cap="none" dirty="0">
-              <a:solidFill>
-                <a:srgbClr val="2683C6"/>
-              </a:solidFill>
-              <a:latin typeface="Arial"/>
-              <a:ea typeface="Arial"/>
-              <a:cs typeface="Arial"/>
-              <a:sym typeface="Arial"/>
-            </a:endParaRPr>
-          </a:p>
-        </p:txBody>
-      </p:sp>
-    </p:spTree>
-    <p:extLst>
-      <p:ext uri="{BB962C8B-B14F-4D97-AF65-F5344CB8AC3E}">
-        <p14:creationId xmlns:p14="http://schemas.microsoft.com/office/powerpoint/2010/main" val="1806808571"/>
       </p:ext>
     </p:extLst>
   </p:cSld>
@@ -14970,6 +15305,628 @@
       <p:bldP spid="3" grpId="0" animBg="1"/>
     </p:bldLst>
   </p:timing>
+</p:sld>
+</file>
+
+<file path=ppt/slides/slide20.xml><?xml version="1.0" encoding="utf-8"?>
+<p:sld xmlns:a="http://schemas.openxmlformats.org/drawingml/2006/main" xmlns:r="http://schemas.openxmlformats.org/officeDocument/2006/relationships" xmlns:p="http://schemas.openxmlformats.org/presentationml/2006/main">
+  <p:cSld>
+    <p:spTree>
+      <p:nvGrpSpPr>
+        <p:cNvPr id="1" name=""/>
+        <p:cNvGrpSpPr/>
+        <p:nvPr/>
+      </p:nvGrpSpPr>
+      <p:grpSpPr>
+        <a:xfrm>
+          <a:off x="0" y="0"/>
+          <a:ext cx="0" cy="0"/>
+          <a:chOff x="0" y="0"/>
+          <a:chExt cx="0" cy="0"/>
+        </a:xfrm>
+      </p:grpSpPr>
+      <p:sp>
+        <p:nvSpPr>
+          <p:cNvPr id="2" name="Google Shape;319;p35">
+            <a:extLst>
+              <a:ext uri="{FF2B5EF4-FFF2-40B4-BE49-F238E27FC236}">
+                <a16:creationId xmlns:a16="http://schemas.microsoft.com/office/drawing/2014/main" id="{7C0478A8-3F75-4502-B52A-01C233A094E7}"/>
+              </a:ext>
+            </a:extLst>
+          </p:cNvPr>
+          <p:cNvSpPr/>
+          <p:nvPr/>
+        </p:nvSpPr>
+        <p:spPr>
+          <a:xfrm>
+            <a:off x="11173326" y="-476310"/>
+            <a:ext cx="609600" cy="1143000"/>
+          </a:xfrm>
+          <a:prstGeom prst="roundRect">
+            <a:avLst>
+              <a:gd name="adj" fmla="val 16667"/>
+            </a:avLst>
+          </a:prstGeom>
+          <a:solidFill>
+            <a:schemeClr val="accent3"/>
+          </a:solidFill>
+          <a:ln w="25400" cap="flat" cmpd="sng">
+            <a:solidFill>
+              <a:srgbClr val="05759E"/>
+            </a:solidFill>
+            <a:prstDash val="solid"/>
+            <a:round/>
+            <a:headEnd type="none" w="sm" len="sm"/>
+            <a:tailEnd type="none" w="sm" len="sm"/>
+          </a:ln>
+        </p:spPr>
+        <p:txBody>
+          <a:bodyPr spcFirstLastPara="1" wrap="square" lIns="91425" tIns="45700" rIns="91425" bIns="45700" anchor="ctr" anchorCtr="0">
+            <a:noAutofit/>
+          </a:bodyPr>
+          <a:lstStyle/>
+          <a:p>
+            <a:pPr marL="0" marR="0" lvl="0" indent="0" algn="ctr" rtl="0">
+              <a:lnSpc>
+                <a:spcPct val="100000"/>
+              </a:lnSpc>
+              <a:spcBef>
+                <a:spcPts val="0"/>
+              </a:spcBef>
+              <a:spcAft>
+                <a:spcPts val="0"/>
+              </a:spcAft>
+              <a:buClr>
+                <a:srgbClr val="000000"/>
+              </a:buClr>
+              <a:buSzPts val="1800"/>
+              <a:buFont typeface="Arial"/>
+              <a:buNone/>
+            </a:pPr>
+            <a:endParaRPr sz="1800" b="0" i="0" u="none" strike="noStrike" cap="none">
+              <a:solidFill>
+                <a:schemeClr val="lt1"/>
+              </a:solidFill>
+              <a:latin typeface="Libre Franklin Thin"/>
+              <a:ea typeface="Libre Franklin Thin"/>
+              <a:cs typeface="Libre Franklin Thin"/>
+              <a:sym typeface="Libre Franklin Thin"/>
+            </a:endParaRPr>
+          </a:p>
+        </p:txBody>
+      </p:sp>
+      <p:sp>
+        <p:nvSpPr>
+          <p:cNvPr id="3" name="Google Shape;320;p35">
+            <a:extLst>
+              <a:ext uri="{FF2B5EF4-FFF2-40B4-BE49-F238E27FC236}">
+                <a16:creationId xmlns:a16="http://schemas.microsoft.com/office/drawing/2014/main" id="{0126A184-298E-41D6-A51D-95AF6E54812F}"/>
+              </a:ext>
+            </a:extLst>
+          </p:cNvPr>
+          <p:cNvSpPr txBox="1"/>
+          <p:nvPr/>
+        </p:nvSpPr>
+        <p:spPr>
+          <a:xfrm>
+            <a:off x="409074" y="666690"/>
+            <a:ext cx="4162926" cy="400069"/>
+          </a:xfrm>
+          <a:prstGeom prst="rect">
+            <a:avLst/>
+          </a:prstGeom>
+          <a:noFill/>
+          <a:ln>
+            <a:noFill/>
+          </a:ln>
+        </p:spPr>
+        <p:txBody>
+          <a:bodyPr spcFirstLastPara="1" wrap="square" lIns="91425" tIns="45700" rIns="91425" bIns="45700" anchor="t" anchorCtr="0">
+            <a:spAutoFit/>
+          </a:bodyPr>
+          <a:lstStyle/>
+          <a:p>
+            <a:pPr marL="342900" marR="0" lvl="0" indent="-342900" algn="l" rtl="0">
+              <a:lnSpc>
+                <a:spcPct val="100000"/>
+              </a:lnSpc>
+              <a:spcBef>
+                <a:spcPts val="0"/>
+              </a:spcBef>
+              <a:spcAft>
+                <a:spcPts val="0"/>
+              </a:spcAft>
+              <a:buClr>
+                <a:srgbClr val="03506C"/>
+              </a:buClr>
+              <a:buSzPts val="2000"/>
+              <a:buFont typeface="Noto Sans Symbols"/>
+              <a:buChar char="❖"/>
+            </a:pPr>
+            <a:r>
+              <a:rPr lang="en-US" sz="2000" b="1" u="sng" dirty="0">
+                <a:solidFill>
+                  <a:srgbClr val="03506C"/>
+                </a:solidFill>
+                <a:latin typeface="Arial"/>
+                <a:ea typeface="Arial"/>
+                <a:cs typeface="Arial"/>
+                <a:sym typeface="Arial"/>
+              </a:rPr>
+              <a:t>CÁC GIAO DIỆN MÀN HÌNH</a:t>
+            </a:r>
+            <a:endParaRPr sz="2000" b="1" i="0" u="sng" strike="noStrike" cap="none" dirty="0">
+              <a:solidFill>
+                <a:srgbClr val="03506C"/>
+              </a:solidFill>
+              <a:latin typeface="Arial"/>
+              <a:ea typeface="Arial"/>
+              <a:cs typeface="Arial"/>
+              <a:sym typeface="Arial"/>
+            </a:endParaRPr>
+          </a:p>
+        </p:txBody>
+      </p:sp>
+      <p:sp>
+        <p:nvSpPr>
+          <p:cNvPr id="4" name="Google Shape;321;p35">
+            <a:extLst>
+              <a:ext uri="{FF2B5EF4-FFF2-40B4-BE49-F238E27FC236}">
+                <a16:creationId xmlns:a16="http://schemas.microsoft.com/office/drawing/2014/main" id="{D2A71821-2155-4AB7-8140-AE2578AA2C56}"/>
+              </a:ext>
+            </a:extLst>
+          </p:cNvPr>
+          <p:cNvSpPr txBox="1"/>
+          <p:nvPr/>
+        </p:nvSpPr>
+        <p:spPr>
+          <a:xfrm>
+            <a:off x="9424736" y="57090"/>
+            <a:ext cx="1824789" cy="571500"/>
+          </a:xfrm>
+          <a:prstGeom prst="rect">
+            <a:avLst/>
+          </a:prstGeom>
+          <a:noFill/>
+          <a:ln>
+            <a:noFill/>
+          </a:ln>
+        </p:spPr>
+        <p:txBody>
+          <a:bodyPr spcFirstLastPara="1" wrap="square" lIns="91425" tIns="45700" rIns="91425" bIns="45700" anchor="ctr" anchorCtr="0">
+            <a:noAutofit/>
+          </a:bodyPr>
+          <a:lstStyle/>
+          <a:p>
+            <a:pPr marL="0" marR="0" lvl="0" indent="0" algn="l" rtl="0">
+              <a:lnSpc>
+                <a:spcPct val="100000"/>
+              </a:lnSpc>
+              <a:spcBef>
+                <a:spcPts val="0"/>
+              </a:spcBef>
+              <a:spcAft>
+                <a:spcPts val="0"/>
+              </a:spcAft>
+              <a:buClr>
+                <a:srgbClr val="0578A2"/>
+              </a:buClr>
+              <a:buSzPts val="2400"/>
+              <a:buFont typeface="Arial"/>
+              <a:buNone/>
+            </a:pPr>
+            <a:r>
+              <a:rPr lang="en-US" sz="2400" b="1" i="0" u="none" strike="noStrike" cap="none">
+                <a:solidFill>
+                  <a:srgbClr val="0578A2"/>
+                </a:solidFill>
+                <a:latin typeface="Arial"/>
+                <a:ea typeface="Arial"/>
+                <a:cs typeface="Arial"/>
+                <a:sym typeface="Arial"/>
+              </a:rPr>
+              <a:t>THIẾT KẾ</a:t>
+            </a:r>
+            <a:endParaRPr sz="2400" b="1" i="0" u="none" strike="noStrike" cap="none">
+              <a:solidFill>
+                <a:srgbClr val="0578A2"/>
+              </a:solidFill>
+              <a:latin typeface="Arial"/>
+              <a:ea typeface="Arial"/>
+              <a:cs typeface="Arial"/>
+              <a:sym typeface="Arial"/>
+            </a:endParaRPr>
+          </a:p>
+        </p:txBody>
+      </p:sp>
+      <p:sp>
+        <p:nvSpPr>
+          <p:cNvPr id="5" name="Google Shape;322;p35">
+            <a:extLst>
+              <a:ext uri="{FF2B5EF4-FFF2-40B4-BE49-F238E27FC236}">
+                <a16:creationId xmlns:a16="http://schemas.microsoft.com/office/drawing/2014/main" id="{59D5B30F-C62E-4D16-8C3B-EF79DFD6400F}"/>
+              </a:ext>
+            </a:extLst>
+          </p:cNvPr>
+          <p:cNvSpPr txBox="1"/>
+          <p:nvPr/>
+        </p:nvSpPr>
+        <p:spPr>
+          <a:xfrm>
+            <a:off x="5314950" y="6396335"/>
+            <a:ext cx="1562100" cy="461665"/>
+          </a:xfrm>
+          <a:prstGeom prst="rect">
+            <a:avLst/>
+          </a:prstGeom>
+          <a:noFill/>
+          <a:ln>
+            <a:noFill/>
+          </a:ln>
+        </p:spPr>
+        <p:txBody>
+          <a:bodyPr spcFirstLastPara="1" wrap="square" lIns="91425" tIns="45700" rIns="91425" bIns="45700" anchor="t" anchorCtr="0">
+            <a:spAutoFit/>
+          </a:bodyPr>
+          <a:lstStyle/>
+          <a:p>
+            <a:pPr marL="0" marR="0" lvl="0" indent="0" algn="l" rtl="0">
+              <a:lnSpc>
+                <a:spcPct val="100000"/>
+              </a:lnSpc>
+              <a:spcBef>
+                <a:spcPts val="0"/>
+              </a:spcBef>
+              <a:spcAft>
+                <a:spcPts val="0"/>
+              </a:spcAft>
+              <a:buNone/>
+            </a:pPr>
+            <a:r>
+              <a:rPr lang="en-US" sz="2400" b="1" i="0" u="none" strike="noStrike" cap="none" dirty="0">
+                <a:solidFill>
+                  <a:schemeClr val="lt1"/>
+                </a:solidFill>
+                <a:latin typeface="Arial"/>
+                <a:ea typeface="Arial"/>
+                <a:cs typeface="Arial"/>
+                <a:sym typeface="Arial"/>
+              </a:rPr>
+              <a:t>NHÓM </a:t>
+            </a:r>
+            <a:r>
+              <a:rPr lang="en-US" sz="2400" b="1" dirty="0">
+                <a:solidFill>
+                  <a:schemeClr val="lt1"/>
+                </a:solidFill>
+                <a:latin typeface="Arial"/>
+                <a:ea typeface="Arial"/>
+                <a:cs typeface="Arial"/>
+                <a:sym typeface="Arial"/>
+              </a:rPr>
+              <a:t>6</a:t>
+            </a:r>
+            <a:endParaRPr sz="2400" b="1" i="0" u="none" strike="noStrike" cap="none" dirty="0">
+              <a:solidFill>
+                <a:schemeClr val="lt1"/>
+              </a:solidFill>
+              <a:latin typeface="Arial"/>
+              <a:ea typeface="Arial"/>
+              <a:cs typeface="Arial"/>
+              <a:sym typeface="Arial"/>
+            </a:endParaRPr>
+          </a:p>
+        </p:txBody>
+      </p:sp>
+      <p:sp>
+        <p:nvSpPr>
+          <p:cNvPr id="8" name="TextBox 7">
+            <a:extLst>
+              <a:ext uri="{FF2B5EF4-FFF2-40B4-BE49-F238E27FC236}">
+                <a16:creationId xmlns:a16="http://schemas.microsoft.com/office/drawing/2014/main" id="{AA2FF00F-44DE-41C8-9497-40CB8D5A227F}"/>
+              </a:ext>
+            </a:extLst>
+          </p:cNvPr>
+          <p:cNvSpPr txBox="1"/>
+          <p:nvPr/>
+        </p:nvSpPr>
+        <p:spPr>
+          <a:xfrm>
+            <a:off x="3897673" y="5747841"/>
+            <a:ext cx="4396653" cy="369332"/>
+          </a:xfrm>
+          <a:prstGeom prst="rect">
+            <a:avLst/>
+          </a:prstGeom>
+          <a:noFill/>
+        </p:spPr>
+        <p:txBody>
+          <a:bodyPr wrap="none" rtlCol="0">
+            <a:spAutoFit/>
+          </a:bodyPr>
+          <a:lstStyle/>
+          <a:p>
+            <a:r>
+              <a:rPr lang="en-US" b="1" dirty="0" err="1"/>
+              <a:t>Chức</a:t>
+            </a:r>
+            <a:r>
+              <a:rPr lang="en-US" b="1" dirty="0"/>
+              <a:t> </a:t>
+            </a:r>
+            <a:r>
+              <a:rPr lang="en-US" b="1" dirty="0" err="1"/>
+              <a:t>năng</a:t>
+            </a:r>
+            <a:r>
+              <a:rPr lang="en-US" b="1" dirty="0"/>
+              <a:t> </a:t>
+            </a:r>
+            <a:r>
+              <a:rPr lang="en-US" b="1" dirty="0" err="1"/>
+              <a:t>thêm</a:t>
+            </a:r>
+            <a:r>
+              <a:rPr lang="en-US" b="1" dirty="0"/>
+              <a:t> </a:t>
+            </a:r>
+            <a:r>
+              <a:rPr lang="en-US" b="1" dirty="0" err="1"/>
+              <a:t>người</a:t>
+            </a:r>
+            <a:r>
+              <a:rPr lang="en-US" b="1" dirty="0"/>
+              <a:t> </a:t>
+            </a:r>
+            <a:r>
+              <a:rPr lang="en-US" b="1" dirty="0" err="1"/>
+              <a:t>dùng</a:t>
+            </a:r>
+            <a:r>
+              <a:rPr lang="en-US" b="1" dirty="0"/>
+              <a:t> </a:t>
+            </a:r>
+            <a:r>
+              <a:rPr lang="en-US" b="1" dirty="0" err="1"/>
+              <a:t>vào</a:t>
+            </a:r>
+            <a:r>
+              <a:rPr lang="en-US" b="1" dirty="0"/>
+              <a:t> </a:t>
+            </a:r>
+            <a:r>
+              <a:rPr lang="en-US" b="1" dirty="0" err="1"/>
+              <a:t>nhóm</a:t>
+            </a:r>
+            <a:r>
+              <a:rPr lang="en-US" b="1" dirty="0"/>
+              <a:t> chat</a:t>
+            </a:r>
+          </a:p>
+        </p:txBody>
+      </p:sp>
+      <p:pic>
+        <p:nvPicPr>
+          <p:cNvPr id="9" name="Picture 8">
+            <a:extLst>
+              <a:ext uri="{FF2B5EF4-FFF2-40B4-BE49-F238E27FC236}">
+                <a16:creationId xmlns:a16="http://schemas.microsoft.com/office/drawing/2014/main" id="{8BA91D44-397C-4B38-8D67-306D74553A38}"/>
+              </a:ext>
+            </a:extLst>
+          </p:cNvPr>
+          <p:cNvPicPr>
+            <a:picLocks noChangeAspect="1"/>
+          </p:cNvPicPr>
+          <p:nvPr/>
+        </p:nvPicPr>
+        <p:blipFill>
+          <a:blip r:embed="rId2">
+            <a:extLst>
+              <a:ext uri="{28A0092B-C50C-407E-A947-70E740481C1C}">
+                <a14:useLocalDpi xmlns:a14="http://schemas.microsoft.com/office/drawing/2010/main" val="0"/>
+              </a:ext>
+            </a:extLst>
+          </a:blip>
+          <a:stretch>
+            <a:fillRect/>
+          </a:stretch>
+        </p:blipFill>
+        <p:spPr>
+          <a:xfrm>
+            <a:off x="1679297" y="1237346"/>
+            <a:ext cx="8630433" cy="4498772"/>
+          </a:xfrm>
+          <a:prstGeom prst="rect">
+            <a:avLst/>
+          </a:prstGeom>
+        </p:spPr>
+      </p:pic>
+    </p:spTree>
+    <p:extLst>
+      <p:ext uri="{BB962C8B-B14F-4D97-AF65-F5344CB8AC3E}">
+        <p14:creationId xmlns:p14="http://schemas.microsoft.com/office/powerpoint/2010/main" val="186932454"/>
+      </p:ext>
+    </p:extLst>
+  </p:cSld>
+  <p:clrMapOvr>
+    <a:masterClrMapping/>
+  </p:clrMapOvr>
+</p:sld>
+</file>
+
+<file path=ppt/slides/slide21.xml><?xml version="1.0" encoding="utf-8"?>
+<p:sld xmlns:a="http://schemas.openxmlformats.org/drawingml/2006/main" xmlns:r="http://schemas.openxmlformats.org/officeDocument/2006/relationships" xmlns:p="http://schemas.openxmlformats.org/presentationml/2006/main">
+  <p:cSld>
+    <p:spTree>
+      <p:nvGrpSpPr>
+        <p:cNvPr id="1" name=""/>
+        <p:cNvGrpSpPr/>
+        <p:nvPr/>
+      </p:nvGrpSpPr>
+      <p:grpSpPr>
+        <a:xfrm>
+          <a:off x="0" y="0"/>
+          <a:ext cx="0" cy="0"/>
+          <a:chOff x="0" y="0"/>
+          <a:chExt cx="0" cy="0"/>
+        </a:xfrm>
+      </p:grpSpPr>
+      <p:sp>
+        <p:nvSpPr>
+          <p:cNvPr id="2" name="Google Shape;536;p57">
+            <a:extLst>
+              <a:ext uri="{FF2B5EF4-FFF2-40B4-BE49-F238E27FC236}">
+                <a16:creationId xmlns:a16="http://schemas.microsoft.com/office/drawing/2014/main" id="{8FCC8CB8-632D-4BD9-A21F-353B3A67637B}"/>
+              </a:ext>
+            </a:extLst>
+          </p:cNvPr>
+          <p:cNvSpPr txBox="1"/>
+          <p:nvPr/>
+        </p:nvSpPr>
+        <p:spPr>
+          <a:xfrm>
+            <a:off x="2684060" y="1503271"/>
+            <a:ext cx="6823879" cy="4524315"/>
+          </a:xfrm>
+          <a:prstGeom prst="rect">
+            <a:avLst/>
+          </a:prstGeom>
+          <a:noFill/>
+          <a:ln>
+            <a:noFill/>
+          </a:ln>
+        </p:spPr>
+        <p:txBody>
+          <a:bodyPr spcFirstLastPara="1" wrap="square" lIns="91425" tIns="45700" rIns="91425" bIns="45700" anchor="t" anchorCtr="0">
+            <a:spAutoFit/>
+          </a:bodyPr>
+          <a:lstStyle/>
+          <a:p>
+            <a:pPr marL="0" marR="0" lvl="0" indent="0" algn="ctr" rtl="0">
+              <a:lnSpc>
+                <a:spcPct val="100000"/>
+              </a:lnSpc>
+              <a:spcBef>
+                <a:spcPts val="0"/>
+              </a:spcBef>
+              <a:spcAft>
+                <a:spcPts val="0"/>
+              </a:spcAft>
+              <a:buNone/>
+            </a:pPr>
+            <a:r>
+              <a:rPr lang="en-US" sz="9600" b="1" i="0" u="none" strike="noStrike" cap="none" dirty="0">
+                <a:solidFill>
+                  <a:srgbClr val="2683C6"/>
+                </a:solidFill>
+                <a:latin typeface="Courier New"/>
+                <a:ea typeface="Courier New"/>
+                <a:cs typeface="Courier New"/>
+                <a:sym typeface="Courier New"/>
+              </a:rPr>
+              <a:t>THANKS FOR WATCHING</a:t>
+            </a:r>
+            <a:endParaRPr sz="9600" b="1" i="0" u="none" strike="noStrike" cap="none" dirty="0">
+              <a:solidFill>
+                <a:srgbClr val="2683C6"/>
+              </a:solidFill>
+              <a:latin typeface="Courier New"/>
+              <a:ea typeface="Courier New"/>
+              <a:cs typeface="Courier New"/>
+              <a:sym typeface="Courier New"/>
+            </a:endParaRPr>
+          </a:p>
+        </p:txBody>
+      </p:sp>
+      <p:sp>
+        <p:nvSpPr>
+          <p:cNvPr id="3" name="Google Shape;537;p57">
+            <a:extLst>
+              <a:ext uri="{FF2B5EF4-FFF2-40B4-BE49-F238E27FC236}">
+                <a16:creationId xmlns:a16="http://schemas.microsoft.com/office/drawing/2014/main" id="{7EC9ECD5-A625-4450-B9E5-0F7D43FEC01D}"/>
+              </a:ext>
+            </a:extLst>
+          </p:cNvPr>
+          <p:cNvSpPr txBox="1"/>
+          <p:nvPr/>
+        </p:nvSpPr>
+        <p:spPr>
+          <a:xfrm>
+            <a:off x="5314950" y="726031"/>
+            <a:ext cx="1562100" cy="461665"/>
+          </a:xfrm>
+          <a:prstGeom prst="rect">
+            <a:avLst/>
+          </a:prstGeom>
+          <a:noFill/>
+          <a:ln>
+            <a:noFill/>
+          </a:ln>
+        </p:spPr>
+        <p:txBody>
+          <a:bodyPr spcFirstLastPara="1" wrap="square" lIns="91425" tIns="45700" rIns="91425" bIns="45700" anchor="t" anchorCtr="0">
+            <a:spAutoFit/>
+          </a:bodyPr>
+          <a:lstStyle/>
+          <a:p>
+            <a:pPr marL="0" marR="0" lvl="0" indent="0" algn="l" rtl="0">
+              <a:lnSpc>
+                <a:spcPct val="100000"/>
+              </a:lnSpc>
+              <a:spcBef>
+                <a:spcPts val="0"/>
+              </a:spcBef>
+              <a:spcAft>
+                <a:spcPts val="0"/>
+              </a:spcAft>
+              <a:buNone/>
+            </a:pPr>
+            <a:r>
+              <a:rPr lang="en-US" sz="2400" b="1" i="0" u="none" strike="noStrike" cap="none" dirty="0">
+                <a:solidFill>
+                  <a:srgbClr val="2683C6"/>
+                </a:solidFill>
+                <a:latin typeface="Arial"/>
+                <a:ea typeface="Arial"/>
+                <a:cs typeface="Arial"/>
+                <a:sym typeface="Arial"/>
+              </a:rPr>
+              <a:t>NHÓM </a:t>
+            </a:r>
+            <a:r>
+              <a:rPr lang="en-US" sz="2400" b="1" dirty="0">
+                <a:solidFill>
+                  <a:srgbClr val="2683C6"/>
+                </a:solidFill>
+                <a:latin typeface="Arial"/>
+                <a:ea typeface="Arial"/>
+                <a:cs typeface="Arial"/>
+                <a:sym typeface="Arial"/>
+              </a:rPr>
+              <a:t>6</a:t>
+            </a:r>
+            <a:endParaRPr sz="2400" b="1" i="0" u="none" strike="noStrike" cap="none" dirty="0">
+              <a:solidFill>
+                <a:srgbClr val="2683C6"/>
+              </a:solidFill>
+              <a:latin typeface="Arial"/>
+              <a:ea typeface="Arial"/>
+              <a:cs typeface="Arial"/>
+              <a:sym typeface="Arial"/>
+            </a:endParaRPr>
+          </a:p>
+        </p:txBody>
+      </p:sp>
+    </p:spTree>
+    <p:extLst>
+      <p:ext uri="{BB962C8B-B14F-4D97-AF65-F5344CB8AC3E}">
+        <p14:creationId xmlns:p14="http://schemas.microsoft.com/office/powerpoint/2010/main" val="1806808571"/>
+      </p:ext>
+    </p:extLst>
+  </p:cSld>
+  <p:clrMapOvr>
+    <a:masterClrMapping/>
+  </p:clrMapOvr>
 </p:sld>
 </file>
 
